--- a/OneDimSum-EZPark_v0.2.pptx
+++ b/OneDimSum-EZPark_v0.2.pptx
@@ -5,10 +5,10 @@
     <p:sldMasterId id="2147483705" r:id="rId4"/>
   </p:sldMasterIdLst>
   <p:notesMasterIdLst>
-    <p:notesMasterId r:id="rId17"/>
+    <p:notesMasterId r:id="rId18"/>
   </p:notesMasterIdLst>
   <p:handoutMasterIdLst>
-    <p:handoutMasterId r:id="rId18"/>
+    <p:handoutMasterId r:id="rId19"/>
   </p:handoutMasterIdLst>
   <p:sldIdLst>
     <p:sldId id="294" r:id="rId5"/>
@@ -19,10 +19,11 @@
     <p:sldId id="541" r:id="rId10"/>
     <p:sldId id="537" r:id="rId11"/>
     <p:sldId id="529" r:id="rId12"/>
-    <p:sldId id="542" r:id="rId13"/>
-    <p:sldId id="544" r:id="rId14"/>
-    <p:sldId id="543" r:id="rId15"/>
-    <p:sldId id="530" r:id="rId16"/>
+    <p:sldId id="545" r:id="rId13"/>
+    <p:sldId id="542" r:id="rId14"/>
+    <p:sldId id="544" r:id="rId15"/>
+    <p:sldId id="543" r:id="rId16"/>
+    <p:sldId id="530" r:id="rId17"/>
   </p:sldIdLst>
   <p:sldSz cx="9144000" cy="5143500" type="screen16x9"/>
   <p:notesSz cx="7315200" cy="9601200"/>
@@ -377,7 +378,7 @@
           <a:p>
             <a:fld id="{2ED4DAAF-DBCD-4337-9277-0A528F50CD79}" type="datetimeFigureOut">
               <a:rPr lang="en-US" smtClean="0"/>
-              <a:t>6/30/17</a:t>
+              <a:t>7/1/17</a:t>
             </a:fld>
             <a:endParaRPr lang="en-US"/>
           </a:p>
@@ -1097,6 +1098,94 @@
             <p:ph type="body" idx="1"/>
           </p:nvPr>
         </p:nvSpPr>
+        <p:spPr>
+          <a:xfrm>
+            <a:off x="731522" y="4560572"/>
+            <a:ext cx="5852159" cy="3651611"/>
+          </a:xfrm>
+        </p:spPr>
+        <p:txBody>
+          <a:bodyPr/>
+          <a:lstStyle/>
+          <a:p>
+            <a:r>
+              <a:rPr lang="en-US" dirty="0" smtClean="0"/>
+              <a:t>AWS infrastructure is DDoS-resilient by design and is supported by DDoS mitigation systems that can automatically detect and filter excess traffic. To protect the availability of your application, it is necessary to implement an architecture that allows you to take advantage of these capabilities. One of the most common AWS use cases is a web application that serves static and dynamic content to users over the Internet. For a </a:t>
+            </a:r>
+            <a:r>
+              <a:rPr lang="en-US" dirty="0" err="1" smtClean="0"/>
+              <a:t>DDoS</a:t>
+            </a:r>
+            <a:r>
+              <a:rPr lang="en-US" dirty="0" smtClean="0"/>
+              <a:t>-resilient reference architecture commonly used with web applications, see the above diagram.</a:t>
+            </a:r>
+          </a:p>
+          <a:p>
+            <a:r>
+              <a:rPr lang="en-US" dirty="0" smtClean="0"/>
+              <a:t>This reference architecture includes many AWS services that can help you improve the resiliency of your web application against DDoS attacks,</a:t>
+            </a:r>
+            <a:r>
+              <a:rPr lang="en-US" baseline="0" dirty="0" smtClean="0"/>
+              <a:t> including 7 best practices that we will review one by one now.</a:t>
+            </a:r>
+            <a:endParaRPr lang="en-US" b="0" dirty="0"/>
+          </a:p>
+        </p:txBody>
+      </p:sp>
+    </p:spTree>
+    <p:extLst>
+      <p:ext uri="{BB962C8B-B14F-4D97-AF65-F5344CB8AC3E}">
+        <p14:creationId xmlns:p14="http://schemas.microsoft.com/office/powerpoint/2010/main" val="633076487"/>
+      </p:ext>
+    </p:extLst>
+  </p:cSld>
+  <p:clrMapOvr>
+    <a:masterClrMapping/>
+  </p:clrMapOvr>
+</p:notes>
+</file>
+
+<file path=ppt/notesSlides/notesSlide6.xml><?xml version="1.0" encoding="utf-8"?>
+<p:notes xmlns:a="http://schemas.openxmlformats.org/drawingml/2006/main" xmlns:r="http://schemas.openxmlformats.org/officeDocument/2006/relationships" xmlns:p="http://schemas.openxmlformats.org/presentationml/2006/main">
+  <p:cSld>
+    <p:spTree>
+      <p:nvGrpSpPr>
+        <p:cNvPr id="1" name=""/>
+        <p:cNvGrpSpPr/>
+        <p:nvPr/>
+      </p:nvGrpSpPr>
+      <p:grpSpPr>
+        <a:xfrm>
+          <a:off x="0" y="0"/>
+          <a:ext cx="0" cy="0"/>
+          <a:chOff x="0" y="0"/>
+          <a:chExt cx="0" cy="0"/>
+        </a:xfrm>
+      </p:grpSpPr>
+      <p:sp>
+        <p:nvSpPr>
+          <p:cNvPr id="2" name="Slide Image Placeholder 1"/>
+          <p:cNvSpPr>
+            <a:spLocks noGrp="1" noRot="1" noChangeAspect="1"/>
+          </p:cNvSpPr>
+          <p:nvPr>
+            <p:ph type="sldImg"/>
+          </p:nvPr>
+        </p:nvSpPr>
+        <p:spPr/>
+      </p:sp>
+      <p:sp>
+        <p:nvSpPr>
+          <p:cNvPr id="3" name="Notes Placeholder 2"/>
+          <p:cNvSpPr>
+            <a:spLocks noGrp="1"/>
+          </p:cNvSpPr>
+          <p:nvPr>
+            <p:ph type="body" idx="1"/>
+          </p:nvPr>
+        </p:nvSpPr>
         <p:spPr/>
         <p:txBody>
           <a:bodyPr/>
@@ -1140,7 +1229,7 @@
             <a:fld id="{69C3F2ED-74C5-7D4F-8560-0CC253E9A436}" type="slidenum">
               <a:rPr lang="en-US" smtClean="0"/>
               <a:pPr/>
-              <a:t>11</a:t>
+              <a:t>12</a:t>
             </a:fld>
             <a:endParaRPr lang="en-US" dirty="0"/>
           </a:p>
@@ -5681,11 +5770,7 @@
           <a:p>
             <a:r>
               <a:rPr lang="en-US" smtClean="0"/>
-              <a:t>One </a:t>
-            </a:r>
-            <a:r>
-              <a:rPr lang="en-US" smtClean="0"/>
-              <a:t>Dim Sum </a:t>
+              <a:t>One Dim Sum </a:t>
             </a:r>
             <a:r>
               <a:rPr lang="en-US" dirty="0" smtClean="0"/>
@@ -5752,6 +5837,702 @@
           <a:p>
             <a:r>
               <a:rPr lang="en-US" dirty="0" smtClean="0"/>
+              <a:t>Integration with Alexa</a:t>
+            </a:r>
+            <a:endParaRPr lang="en-US" dirty="0"/>
+          </a:p>
+        </p:txBody>
+      </p:sp>
+      <p:sp>
+        <p:nvSpPr>
+          <p:cNvPr id="4" name="Footer Placeholder 3"/>
+          <p:cNvSpPr>
+            <a:spLocks noGrp="1"/>
+          </p:cNvSpPr>
+          <p:nvPr>
+            <p:ph type="ftr" sz="quarter" idx="10"/>
+          </p:nvPr>
+        </p:nvSpPr>
+        <p:spPr/>
+        <p:txBody>
+          <a:bodyPr/>
+          <a:lstStyle/>
+          <a:p>
+            <a:r>
+              <a:rPr lang="en-US" smtClean="0"/>
+              <a:t>© 2016, Amazon Web Services, Inc. or its Affiliates. All rights reserved.</a:t>
+            </a:r>
+            <a:endParaRPr lang="en-US" dirty="0"/>
+          </a:p>
+        </p:txBody>
+      </p:sp>
+      <p:sp>
+        <p:nvSpPr>
+          <p:cNvPr id="5" name="Rounded Rectangular Callout 4"/>
+          <p:cNvSpPr/>
+          <p:nvPr/>
+        </p:nvSpPr>
+        <p:spPr>
+          <a:xfrm>
+            <a:off x="723490" y="1341427"/>
+            <a:ext cx="2511707" cy="810228"/>
+          </a:xfrm>
+          <a:prstGeom prst="wedgeRoundRectCallout">
+            <a:avLst>
+              <a:gd name="adj1" fmla="val -45890"/>
+              <a:gd name="adj2" fmla="val 99944"/>
+              <a:gd name="adj3" fmla="val 16667"/>
+            </a:avLst>
+          </a:prstGeom>
+          <a:solidFill>
+            <a:schemeClr val="accent2"/>
+          </a:solidFill>
+          <a:ln>
+            <a:noFill/>
+          </a:ln>
+          <a:effectLst/>
+        </p:spPr>
+        <p:style>
+          <a:lnRef idx="1">
+            <a:schemeClr val="accent1"/>
+          </a:lnRef>
+          <a:fillRef idx="3">
+            <a:schemeClr val="accent1"/>
+          </a:fillRef>
+          <a:effectRef idx="2">
+            <a:schemeClr val="accent1"/>
+          </a:effectRef>
+          <a:fontRef idx="minor">
+            <a:schemeClr val="lt1"/>
+          </a:fontRef>
+        </p:style>
+        <p:txBody>
+          <a:bodyPr rtlCol="0" anchor="ctr"/>
+          <a:lstStyle/>
+          <a:p>
+            <a:r>
+              <a:rPr lang="en-US" sz="1200" dirty="0" smtClean="0"/>
+              <a:t>I’ve found 15 available slots at Secure Parking </a:t>
+            </a:r>
+            <a:r>
+              <a:rPr lang="mr-IN" sz="1200" dirty="0" smtClean="0"/>
+              <a:t>–</a:t>
+            </a:r>
+            <a:r>
+              <a:rPr lang="en-US" sz="1200" dirty="0" smtClean="0"/>
+              <a:t> </a:t>
+            </a:r>
+            <a:r>
+              <a:rPr lang="en-US" sz="1200" dirty="0" err="1" smtClean="0"/>
+              <a:t>Flinder</a:t>
+            </a:r>
+            <a:r>
+              <a:rPr lang="en-US" sz="1200" dirty="0" smtClean="0"/>
+              <a:t> Lane Car Park, do you want to make a booking?</a:t>
+            </a:r>
+            <a:endParaRPr lang="en-US" sz="1200" dirty="0"/>
+          </a:p>
+        </p:txBody>
+      </p:sp>
+      <p:sp>
+        <p:nvSpPr>
+          <p:cNvPr id="6" name="Rounded Rectangular Callout 5"/>
+          <p:cNvSpPr/>
+          <p:nvPr/>
+        </p:nvSpPr>
+        <p:spPr>
+          <a:xfrm>
+            <a:off x="4990618" y="756676"/>
+            <a:ext cx="3115520" cy="665359"/>
+          </a:xfrm>
+          <a:prstGeom prst="wedgeRoundRectCallout">
+            <a:avLst>
+              <a:gd name="adj1" fmla="val 45145"/>
+              <a:gd name="adj2" fmla="val 89214"/>
+              <a:gd name="adj3" fmla="val 16667"/>
+            </a:avLst>
+          </a:prstGeom>
+          <a:solidFill>
+            <a:schemeClr val="accent6">
+              <a:lumMod val="50000"/>
+            </a:schemeClr>
+          </a:solidFill>
+          <a:ln>
+            <a:noFill/>
+          </a:ln>
+          <a:effectLst/>
+        </p:spPr>
+        <p:style>
+          <a:lnRef idx="1">
+            <a:schemeClr val="accent1"/>
+          </a:lnRef>
+          <a:fillRef idx="3">
+            <a:schemeClr val="accent1"/>
+          </a:fillRef>
+          <a:effectRef idx="2">
+            <a:schemeClr val="accent1"/>
+          </a:effectRef>
+          <a:fontRef idx="minor">
+            <a:schemeClr val="lt1"/>
+          </a:fontRef>
+        </p:style>
+        <p:txBody>
+          <a:bodyPr rtlCol="0" anchor="ctr"/>
+          <a:lstStyle/>
+          <a:p>
+            <a:r>
+              <a:rPr lang="en-US" dirty="0" smtClean="0"/>
+              <a:t>Alexa, find me a parking space near Collins Place.</a:t>
+            </a:r>
+            <a:endParaRPr lang="en-US" dirty="0"/>
+          </a:p>
+        </p:txBody>
+      </p:sp>
+      <p:sp>
+        <p:nvSpPr>
+          <p:cNvPr id="7" name="Rounded Rectangular Callout 6"/>
+          <p:cNvSpPr/>
+          <p:nvPr/>
+        </p:nvSpPr>
+        <p:spPr>
+          <a:xfrm>
+            <a:off x="4990618" y="2183943"/>
+            <a:ext cx="3115520" cy="665359"/>
+          </a:xfrm>
+          <a:prstGeom prst="wedgeRoundRectCallout">
+            <a:avLst>
+              <a:gd name="adj1" fmla="val 45145"/>
+              <a:gd name="adj2" fmla="val 89214"/>
+              <a:gd name="adj3" fmla="val 16667"/>
+            </a:avLst>
+          </a:prstGeom>
+          <a:solidFill>
+            <a:schemeClr val="accent6">
+              <a:lumMod val="50000"/>
+            </a:schemeClr>
+          </a:solidFill>
+          <a:ln>
+            <a:noFill/>
+          </a:ln>
+          <a:effectLst/>
+        </p:spPr>
+        <p:style>
+          <a:lnRef idx="1">
+            <a:schemeClr val="accent1"/>
+          </a:lnRef>
+          <a:fillRef idx="3">
+            <a:schemeClr val="accent1"/>
+          </a:fillRef>
+          <a:effectRef idx="2">
+            <a:schemeClr val="accent1"/>
+          </a:effectRef>
+          <a:fontRef idx="minor">
+            <a:schemeClr val="lt1"/>
+          </a:fontRef>
+        </p:style>
+        <p:txBody>
+          <a:bodyPr rtlCol="0" anchor="ctr"/>
+          <a:lstStyle/>
+          <a:p>
+            <a:r>
+              <a:rPr lang="en-US" dirty="0" smtClean="0"/>
+              <a:t>Yes, book me a parking slot at 7pm.</a:t>
+            </a:r>
+            <a:endParaRPr lang="en-US" dirty="0"/>
+          </a:p>
+        </p:txBody>
+      </p:sp>
+      <p:sp>
+        <p:nvSpPr>
+          <p:cNvPr id="9" name="Rounded Rectangular Callout 8"/>
+          <p:cNvSpPr/>
+          <p:nvPr/>
+        </p:nvSpPr>
+        <p:spPr>
+          <a:xfrm>
+            <a:off x="771959" y="2939969"/>
+            <a:ext cx="2318481" cy="1006998"/>
+          </a:xfrm>
+          <a:prstGeom prst="wedgeRoundRectCallout">
+            <a:avLst>
+              <a:gd name="adj1" fmla="val -47734"/>
+              <a:gd name="adj2" fmla="val 84279"/>
+              <a:gd name="adj3" fmla="val 16667"/>
+            </a:avLst>
+          </a:prstGeom>
+          <a:solidFill>
+            <a:schemeClr val="accent2"/>
+          </a:solidFill>
+          <a:ln>
+            <a:noFill/>
+          </a:ln>
+          <a:effectLst/>
+        </p:spPr>
+        <p:style>
+          <a:lnRef idx="1">
+            <a:schemeClr val="accent1"/>
+          </a:lnRef>
+          <a:fillRef idx="3">
+            <a:schemeClr val="accent1"/>
+          </a:fillRef>
+          <a:effectRef idx="2">
+            <a:schemeClr val="accent1"/>
+          </a:effectRef>
+          <a:fontRef idx="minor">
+            <a:schemeClr val="lt1"/>
+          </a:fontRef>
+        </p:style>
+        <p:txBody>
+          <a:bodyPr rtlCol="0" anchor="ctr"/>
+          <a:lstStyle/>
+          <a:p>
+            <a:r>
+              <a:rPr lang="en-US" sz="1200" dirty="0" smtClean="0"/>
+              <a:t>Your booking is confirmed. A confirmation message has been sent to your phone.</a:t>
+            </a:r>
+          </a:p>
+          <a:p>
+            <a:r>
+              <a:rPr lang="en-US" sz="1200" dirty="0" smtClean="0"/>
+              <a:t>Have a nice day. Don’t drink and drive.</a:t>
+            </a:r>
+            <a:endParaRPr lang="en-US" sz="1200" dirty="0"/>
+          </a:p>
+        </p:txBody>
+      </p:sp>
+      <p:pic>
+        <p:nvPicPr>
+          <p:cNvPr id="10" name="speech_20170630004507449.mp3">
+            <a:hlinkClick r:id="" action="ppaction://media"/>
+          </p:cNvPr>
+          <p:cNvPicPr>
+            <a:picLocks noChangeAspect="1"/>
+          </p:cNvPicPr>
+          <p:nvPr>
+            <a:audioFile r:link="rId2"/>
+            <p:extLst>
+              <p:ext uri="{DAA4B4D4-6D71-4841-9C94-3DE7FCFB9230}">
+                <p14:media xmlns:p14="http://schemas.microsoft.com/office/powerpoint/2010/main" r:embed="rId1"/>
+              </p:ext>
+            </p:extLst>
+          </p:nvPr>
+        </p:nvPicPr>
+        <p:blipFill>
+          <a:blip r:embed="rId6"/>
+          <a:stretch>
+            <a:fillRect/>
+          </a:stretch>
+        </p:blipFill>
+        <p:spPr>
+          <a:xfrm>
+            <a:off x="282366" y="4097880"/>
+            <a:ext cx="489593" cy="489593"/>
+          </a:xfrm>
+          <a:prstGeom prst="rect">
+            <a:avLst/>
+          </a:prstGeom>
+        </p:spPr>
+      </p:pic>
+      <p:pic>
+        <p:nvPicPr>
+          <p:cNvPr id="12" name="speech_20170630005404811.mp3">
+            <a:hlinkClick r:id="" action="ppaction://media"/>
+          </p:cNvPr>
+          <p:cNvPicPr>
+            <a:picLocks noChangeAspect="1"/>
+          </p:cNvPicPr>
+          <p:nvPr>
+            <a:audioFile r:link="rId4"/>
+            <p:extLst>
+              <p:ext uri="{DAA4B4D4-6D71-4841-9C94-3DE7FCFB9230}">
+                <p14:media xmlns:p14="http://schemas.microsoft.com/office/powerpoint/2010/main" r:embed="rId3"/>
+              </p:ext>
+            </p:extLst>
+          </p:nvPr>
+        </p:nvPicPr>
+        <p:blipFill>
+          <a:blip r:embed="rId6"/>
+          <a:stretch>
+            <a:fillRect/>
+          </a:stretch>
+        </p:blipFill>
+        <p:spPr>
+          <a:xfrm>
+            <a:off x="187598" y="2338407"/>
+            <a:ext cx="535892" cy="535892"/>
+          </a:xfrm>
+          <a:prstGeom prst="rect">
+            <a:avLst/>
+          </a:prstGeom>
+        </p:spPr>
+      </p:pic>
+    </p:spTree>
+    <p:extLst>
+      <p:ext uri="{BB962C8B-B14F-4D97-AF65-F5344CB8AC3E}">
+        <p14:creationId xmlns:p14="http://schemas.microsoft.com/office/powerpoint/2010/main" val="1346097259"/>
+      </p:ext>
+    </p:extLst>
+  </p:cSld>
+  <p:clrMapOvr>
+    <a:masterClrMapping/>
+  </p:clrMapOvr>
+  <p:timing>
+    <p:tnLst>
+      <p:par>
+        <p:cTn id="1" dur="indefinite" restart="never" nodeType="tmRoot">
+          <p:childTnLst>
+            <p:seq concurrent="1" nextAc="seek">
+              <p:cTn id="2" dur="indefinite" nodeType="mainSeq">
+                <p:childTnLst>
+                  <p:par>
+                    <p:cTn id="3" fill="hold">
+                      <p:stCondLst>
+                        <p:cond delay="indefinite"/>
+                      </p:stCondLst>
+                      <p:childTnLst>
+                        <p:par>
+                          <p:cTn id="4" fill="hold">
+                            <p:stCondLst>
+                              <p:cond delay="0"/>
+                            </p:stCondLst>
+                            <p:childTnLst>
+                              <p:par>
+                                <p:cTn id="5" presetID="22" presetClass="entr" presetSubtype="2" fill="hold" grpId="0" nodeType="clickEffect">
+                                  <p:stCondLst>
+                                    <p:cond delay="0"/>
+                                  </p:stCondLst>
+                                  <p:childTnLst>
+                                    <p:set>
+                                      <p:cBhvr>
+                                        <p:cTn id="6" dur="1" fill="hold">
+                                          <p:stCondLst>
+                                            <p:cond delay="0"/>
+                                          </p:stCondLst>
+                                        </p:cTn>
+                                        <p:tgtEl>
+                                          <p:spTgt spid="6"/>
+                                        </p:tgtEl>
+                                        <p:attrNameLst>
+                                          <p:attrName>style.visibility</p:attrName>
+                                        </p:attrNameLst>
+                                      </p:cBhvr>
+                                      <p:to>
+                                        <p:strVal val="visible"/>
+                                      </p:to>
+                                    </p:set>
+                                    <p:animEffect transition="in" filter="wipe(right)">
+                                      <p:cBhvr>
+                                        <p:cTn id="7" dur="500"/>
+                                        <p:tgtEl>
+                                          <p:spTgt spid="6"/>
+                                        </p:tgtEl>
+                                      </p:cBhvr>
+                                    </p:animEffect>
+                                  </p:childTnLst>
+                                </p:cTn>
+                              </p:par>
+                            </p:childTnLst>
+                          </p:cTn>
+                        </p:par>
+                      </p:childTnLst>
+                    </p:cTn>
+                  </p:par>
+                  <p:par>
+                    <p:cTn id="8" fill="hold">
+                      <p:stCondLst>
+                        <p:cond delay="indefinite"/>
+                      </p:stCondLst>
+                      <p:childTnLst>
+                        <p:par>
+                          <p:cTn id="9" fill="hold">
+                            <p:stCondLst>
+                              <p:cond delay="0"/>
+                            </p:stCondLst>
+                            <p:childTnLst>
+                              <p:par>
+                                <p:cTn id="10" presetID="22" presetClass="entr" presetSubtype="8" fill="hold" grpId="0" nodeType="clickEffect">
+                                  <p:stCondLst>
+                                    <p:cond delay="0"/>
+                                  </p:stCondLst>
+                                  <p:childTnLst>
+                                    <p:set>
+                                      <p:cBhvr>
+                                        <p:cTn id="11" dur="1" fill="hold">
+                                          <p:stCondLst>
+                                            <p:cond delay="0"/>
+                                          </p:stCondLst>
+                                        </p:cTn>
+                                        <p:tgtEl>
+                                          <p:spTgt spid="5"/>
+                                        </p:tgtEl>
+                                        <p:attrNameLst>
+                                          <p:attrName>style.visibility</p:attrName>
+                                        </p:attrNameLst>
+                                      </p:cBhvr>
+                                      <p:to>
+                                        <p:strVal val="visible"/>
+                                      </p:to>
+                                    </p:set>
+                                    <p:animEffect transition="in" filter="wipe(left)">
+                                      <p:cBhvr>
+                                        <p:cTn id="12" dur="500"/>
+                                        <p:tgtEl>
+                                          <p:spTgt spid="5"/>
+                                        </p:tgtEl>
+                                      </p:cBhvr>
+                                    </p:animEffect>
+                                  </p:childTnLst>
+                                </p:cTn>
+                              </p:par>
+                              <p:par>
+                                <p:cTn id="13" presetID="1" presetClass="mediacall" presetSubtype="0" fill="hold" nodeType="withEffect">
+                                  <p:stCondLst>
+                                    <p:cond delay="0"/>
+                                  </p:stCondLst>
+                                  <p:childTnLst>
+                                    <p:cmd type="call" cmd="playFrom(0.0)">
+                                      <p:cBhvr>
+                                        <p:cTn id="14" dur="6347" fill="hold"/>
+                                        <p:tgtEl>
+                                          <p:spTgt spid="12"/>
+                                        </p:tgtEl>
+                                      </p:cBhvr>
+                                    </p:cmd>
+                                  </p:childTnLst>
+                                </p:cTn>
+                              </p:par>
+                            </p:childTnLst>
+                          </p:cTn>
+                        </p:par>
+                      </p:childTnLst>
+                    </p:cTn>
+                  </p:par>
+                  <p:par>
+                    <p:cTn id="15" fill="hold">
+                      <p:stCondLst>
+                        <p:cond delay="indefinite"/>
+                      </p:stCondLst>
+                      <p:childTnLst>
+                        <p:par>
+                          <p:cTn id="16" fill="hold">
+                            <p:stCondLst>
+                              <p:cond delay="0"/>
+                            </p:stCondLst>
+                            <p:childTnLst>
+                              <p:par>
+                                <p:cTn id="17" presetID="22" presetClass="entr" presetSubtype="2" fill="hold" grpId="0" nodeType="clickEffect">
+                                  <p:stCondLst>
+                                    <p:cond delay="0"/>
+                                  </p:stCondLst>
+                                  <p:childTnLst>
+                                    <p:set>
+                                      <p:cBhvr>
+                                        <p:cTn id="18" dur="1" fill="hold">
+                                          <p:stCondLst>
+                                            <p:cond delay="0"/>
+                                          </p:stCondLst>
+                                        </p:cTn>
+                                        <p:tgtEl>
+                                          <p:spTgt spid="7"/>
+                                        </p:tgtEl>
+                                        <p:attrNameLst>
+                                          <p:attrName>style.visibility</p:attrName>
+                                        </p:attrNameLst>
+                                      </p:cBhvr>
+                                      <p:to>
+                                        <p:strVal val="visible"/>
+                                      </p:to>
+                                    </p:set>
+                                    <p:animEffect transition="in" filter="wipe(right)">
+                                      <p:cBhvr>
+                                        <p:cTn id="19" dur="500"/>
+                                        <p:tgtEl>
+                                          <p:spTgt spid="7"/>
+                                        </p:tgtEl>
+                                      </p:cBhvr>
+                                    </p:animEffect>
+                                  </p:childTnLst>
+                                </p:cTn>
+                              </p:par>
+                            </p:childTnLst>
+                          </p:cTn>
+                        </p:par>
+                      </p:childTnLst>
+                    </p:cTn>
+                  </p:par>
+                  <p:par>
+                    <p:cTn id="20" fill="hold">
+                      <p:stCondLst>
+                        <p:cond delay="indefinite"/>
+                      </p:stCondLst>
+                      <p:childTnLst>
+                        <p:par>
+                          <p:cTn id="21" fill="hold">
+                            <p:stCondLst>
+                              <p:cond delay="0"/>
+                            </p:stCondLst>
+                            <p:childTnLst>
+                              <p:par>
+                                <p:cTn id="22" presetID="22" presetClass="entr" presetSubtype="8" fill="hold" grpId="1" nodeType="clickEffect">
+                                  <p:stCondLst>
+                                    <p:cond delay="0"/>
+                                  </p:stCondLst>
+                                  <p:childTnLst>
+                                    <p:set>
+                                      <p:cBhvr>
+                                        <p:cTn id="23" dur="1" fill="hold">
+                                          <p:stCondLst>
+                                            <p:cond delay="0"/>
+                                          </p:stCondLst>
+                                        </p:cTn>
+                                        <p:tgtEl>
+                                          <p:spTgt spid="9"/>
+                                        </p:tgtEl>
+                                        <p:attrNameLst>
+                                          <p:attrName>style.visibility</p:attrName>
+                                        </p:attrNameLst>
+                                      </p:cBhvr>
+                                      <p:to>
+                                        <p:strVal val="visible"/>
+                                      </p:to>
+                                    </p:set>
+                                    <p:animEffect transition="in" filter="wipe(left)">
+                                      <p:cBhvr>
+                                        <p:cTn id="24" dur="500"/>
+                                        <p:tgtEl>
+                                          <p:spTgt spid="9"/>
+                                        </p:tgtEl>
+                                      </p:cBhvr>
+                                    </p:animEffect>
+                                  </p:childTnLst>
+                                </p:cTn>
+                              </p:par>
+                              <p:par>
+                                <p:cTn id="25" presetID="1" presetClass="mediacall" presetSubtype="0" fill="hold" nodeType="withEffect">
+                                  <p:stCondLst>
+                                    <p:cond delay="0"/>
+                                  </p:stCondLst>
+                                  <p:childTnLst>
+                                    <p:cmd type="call" cmd="playFrom(0.0)">
+                                      <p:cBhvr>
+                                        <p:cTn id="26" dur="7575" fill="hold"/>
+                                        <p:tgtEl>
+                                          <p:spTgt spid="10"/>
+                                        </p:tgtEl>
+                                      </p:cBhvr>
+                                    </p:cmd>
+                                  </p:childTnLst>
+                                </p:cTn>
+                              </p:par>
+                            </p:childTnLst>
+                          </p:cTn>
+                        </p:par>
+                      </p:childTnLst>
+                    </p:cTn>
+                  </p:par>
+                </p:childTnLst>
+              </p:cTn>
+              <p:prevCondLst>
+                <p:cond evt="onPrev" delay="0">
+                  <p:tgtEl>
+                    <p:sldTgt/>
+                  </p:tgtEl>
+                </p:cond>
+              </p:prevCondLst>
+              <p:nextCondLst>
+                <p:cond evt="onNext" delay="0">
+                  <p:tgtEl>
+                    <p:sldTgt/>
+                  </p:tgtEl>
+                </p:cond>
+              </p:nextCondLst>
+            </p:seq>
+            <p:audio>
+              <p:cMediaNode vol="80000" showWhenStopped="0">
+                <p:cTn id="27" fill="hold" display="0">
+                  <p:stCondLst>
+                    <p:cond delay="indefinite"/>
+                  </p:stCondLst>
+                  <p:endCondLst>
+                    <p:cond evt="onStopAudio" delay="0">
+                      <p:tgtEl>
+                        <p:sldTgt/>
+                      </p:tgtEl>
+                    </p:cond>
+                  </p:endCondLst>
+                </p:cTn>
+                <p:tgtEl>
+                  <p:spTgt spid="10"/>
+                </p:tgtEl>
+              </p:cMediaNode>
+            </p:audio>
+            <p:audio>
+              <p:cMediaNode vol="80000" showWhenStopped="0">
+                <p:cTn id="28" fill="hold" display="0">
+                  <p:stCondLst>
+                    <p:cond delay="indefinite"/>
+                  </p:stCondLst>
+                  <p:endCondLst>
+                    <p:cond evt="onStopAudio" delay="0">
+                      <p:tgtEl>
+                        <p:sldTgt/>
+                      </p:tgtEl>
+                    </p:cond>
+                  </p:endCondLst>
+                </p:cTn>
+                <p:tgtEl>
+                  <p:spTgt spid="12"/>
+                </p:tgtEl>
+              </p:cMediaNode>
+            </p:audio>
+          </p:childTnLst>
+        </p:cTn>
+      </p:par>
+    </p:tnLst>
+    <p:bldLst>
+      <p:bldP spid="5" grpId="0" animBg="1"/>
+      <p:bldP spid="6" grpId="0" animBg="1"/>
+      <p:bldP spid="7" grpId="0" animBg="1"/>
+      <p:bldP spid="9" grpId="1" animBg="1"/>
+    </p:bldLst>
+  </p:timing>
+</p:sld>
+</file>
+
+<file path=ppt/slides/slide11.xml><?xml version="1.0" encoding="utf-8"?>
+<p:sld xmlns:a="http://schemas.openxmlformats.org/drawingml/2006/main" xmlns:r="http://schemas.openxmlformats.org/officeDocument/2006/relationships" xmlns:p="http://schemas.openxmlformats.org/presentationml/2006/main">
+  <p:cSld>
+    <p:spTree>
+      <p:nvGrpSpPr>
+        <p:cNvPr id="1" name=""/>
+        <p:cNvGrpSpPr/>
+        <p:nvPr/>
+      </p:nvGrpSpPr>
+      <p:grpSpPr>
+        <a:xfrm>
+          <a:off x="0" y="0"/>
+          <a:ext cx="0" cy="0"/>
+          <a:chOff x="0" y="0"/>
+          <a:chExt cx="0" cy="0"/>
+        </a:xfrm>
+      </p:grpSpPr>
+      <p:sp>
+        <p:nvSpPr>
+          <p:cNvPr id="2" name="Title 1"/>
+          <p:cNvSpPr>
+            <a:spLocks noGrp="1"/>
+          </p:cNvSpPr>
+          <p:nvPr>
+            <p:ph type="title"/>
+          </p:nvPr>
+        </p:nvSpPr>
+        <p:spPr/>
+        <p:txBody>
+          <a:bodyPr/>
+          <a:lstStyle/>
+          <a:p>
+            <a:r>
+              <a:rPr lang="en-US" dirty="0" smtClean="0"/>
               <a:t>Wrap up</a:t>
             </a:r>
             <a:endParaRPr lang="en-US" dirty="0"/>
@@ -6223,7 +7004,7 @@
 </p:sld>
 </file>
 
-<file path=ppt/slides/slide11.xml><?xml version="1.0" encoding="utf-8"?>
+<file path=ppt/slides/slide12.xml><?xml version="1.0" encoding="utf-8"?>
 <p:sld xmlns:a="http://schemas.openxmlformats.org/drawingml/2006/main" xmlns:r="http://schemas.openxmlformats.org/officeDocument/2006/relationships" xmlns:p="http://schemas.openxmlformats.org/presentationml/2006/main">
   <p:cSld>
     <p:spTree>
@@ -6329,7 +7110,7 @@
 </p:sld>
 </file>
 
-<file path=ppt/slides/slide12.xml><?xml version="1.0" encoding="utf-8"?>
+<file path=ppt/slides/slide13.xml><?xml version="1.0" encoding="utf-8"?>
 <p:sld xmlns:a="http://schemas.openxmlformats.org/drawingml/2006/main" xmlns:r="http://schemas.openxmlformats.org/officeDocument/2006/relationships" xmlns:p="http://schemas.openxmlformats.org/presentationml/2006/main">
   <p:cSld>
     <p:spTree>
@@ -9329,7 +10110,7 @@
 </file>
 
 <file path=ppt/slides/slide8.xml><?xml version="1.0" encoding="utf-8"?>
-<p:sld xmlns:a="http://schemas.openxmlformats.org/drawingml/2006/main" xmlns:r="http://schemas.openxmlformats.org/officeDocument/2006/relationships" xmlns:p="http://schemas.openxmlformats.org/presentationml/2006/main">
+<p:sld xmlns:a="http://schemas.openxmlformats.org/drawingml/2006/main" xmlns:r="http://schemas.openxmlformats.org/officeDocument/2006/relationships" xmlns:p="http://schemas.openxmlformats.org/presentationml/2006/main" show="0">
   <p:cSld>
     <p:spTree>
       <p:nvGrpSpPr>
@@ -11268,7 +12049,7 @@
           <a:p>
             <a:pPr algn="ctr"/>
             <a:r>
-              <a:rPr lang="en-US" sz="1050" dirty="0" err="1" smtClean="0">
+              <a:rPr lang="en-US" sz="1050" dirty="0" smtClean="0">
                 <a:solidFill>
                   <a:schemeClr val="tx1">
                     <a:lumMod val="50000"/>
@@ -11531,6 +12312,14 @@
   <p:clrMapOvr>
     <a:masterClrMapping/>
   </p:clrMapOvr>
+  <mc:AlternateContent xmlns:mc="http://schemas.openxmlformats.org/markup-compatibility/2006">
+    <mc:Choice xmlns:p14="http://schemas.microsoft.com/office/powerpoint/2010/main" Requires="p14">
+      <p:transition spd="slow" p14:dur="2000"/>
+    </mc:Choice>
+    <mc:Fallback>
+      <p:transition spd="slow"/>
+    </mc:Fallback>
+  </mc:AlternateContent>
   <p:timing>
     <p:tnLst>
       <p:par>
@@ -13317,73 +14106,108 @@
       </p:grpSpPr>
       <p:sp>
         <p:nvSpPr>
-          <p:cNvPr id="2" name="Title 1"/>
-          <p:cNvSpPr>
-            <a:spLocks noGrp="1"/>
-          </p:cNvSpPr>
-          <p:nvPr>
-            <p:ph type="title"/>
-          </p:nvPr>
-        </p:nvSpPr>
-        <p:spPr/>
-        <p:txBody>
-          <a:bodyPr/>
-          <a:lstStyle/>
-          <a:p>
-            <a:r>
-              <a:rPr lang="en-US" dirty="0" smtClean="0"/>
-              <a:t>Integration with Alexa</a:t>
-            </a:r>
-            <a:endParaRPr lang="en-US" dirty="0"/>
-          </a:p>
-        </p:txBody>
-      </p:sp>
-      <p:sp>
-        <p:nvSpPr>
           <p:cNvPr id="4" name="Footer Placeholder 3"/>
           <p:cNvSpPr>
             <a:spLocks noGrp="1"/>
           </p:cNvSpPr>
           <p:nvPr>
-            <p:ph type="ftr" sz="quarter" idx="10"/>
+            <p:ph type="ftr" sz="quarter" idx="4294967295"/>
           </p:nvPr>
         </p:nvSpPr>
-        <p:spPr/>
+        <p:spPr>
+          <a:xfrm>
+            <a:off x="336788" y="4772025"/>
+            <a:ext cx="3567245" cy="274637"/>
+          </a:xfrm>
+          <a:prstGeom prst="rect">
+            <a:avLst/>
+          </a:prstGeom>
+        </p:spPr>
         <p:txBody>
           <a:bodyPr/>
           <a:lstStyle/>
           <a:p>
             <a:r>
-              <a:rPr lang="en-US" smtClean="0"/>
-              <a:t>© 2016, Amazon Web Services, Inc. or its Affiliates. All rights reserved.</a:t>
-            </a:r>
-            <a:endParaRPr lang="en-US" dirty="0"/>
+              <a:rPr lang="en-US" dirty="0"/>
+              <a:t>© 2016 Amazon Web Services, Inc. and its affiliates. All rights reserved.</a:t>
+            </a:r>
           </a:p>
         </p:txBody>
       </p:sp>
       <p:sp>
         <p:nvSpPr>
-          <p:cNvPr id="5" name="Rounded Rectangular Callout 4"/>
+          <p:cNvPr id="5" name="Rounded Rectangle 4"/>
           <p:cNvSpPr/>
           <p:nvPr/>
         </p:nvSpPr>
         <p:spPr>
           <a:xfrm>
-            <a:off x="723490" y="1341427"/>
-            <a:ext cx="2511707" cy="810228"/>
-          </a:xfrm>
-          <a:prstGeom prst="wedgeRoundRectCallout">
+            <a:off x="1527118" y="1141428"/>
+            <a:ext cx="7216832" cy="3644754"/>
+          </a:xfrm>
+          <a:prstGeom prst="roundRect">
             <a:avLst>
-              <a:gd name="adj1" fmla="val -45890"/>
-              <a:gd name="adj2" fmla="val 99944"/>
-              <a:gd name="adj3" fmla="val 16667"/>
+              <a:gd name="adj" fmla="val 9818"/>
             </a:avLst>
           </a:prstGeom>
-          <a:solidFill>
-            <a:schemeClr val="accent2"/>
-          </a:solidFill>
+          <a:noFill/>
           <a:ln>
             <a:noFill/>
+          </a:ln>
+          <a:effectLst/>
+        </p:spPr>
+        <p:style>
+          <a:lnRef idx="1">
+            <a:schemeClr val="accent2"/>
+          </a:lnRef>
+          <a:fillRef idx="3">
+            <a:schemeClr val="accent2"/>
+          </a:fillRef>
+          <a:effectRef idx="2">
+            <a:schemeClr val="accent2"/>
+          </a:effectRef>
+          <a:fontRef idx="minor">
+            <a:schemeClr val="lt1"/>
+          </a:fontRef>
+        </p:style>
+        <p:txBody>
+          <a:bodyPr rtlCol="0" anchor="ctr"/>
+          <a:lstStyle/>
+          <a:p>
+            <a:pPr algn="ctr"/>
+            <a:endParaRPr lang="en-US" dirty="0">
+              <a:solidFill>
+                <a:schemeClr val="tx1">
+                  <a:lumMod val="50000"/>
+                </a:schemeClr>
+              </a:solidFill>
+              <a:latin typeface="Calibri Light"/>
+            </a:endParaRPr>
+          </a:p>
+        </p:txBody>
+      </p:sp>
+      <p:sp>
+        <p:nvSpPr>
+          <p:cNvPr id="6" name="Rounded Rectangle 5"/>
+          <p:cNvSpPr/>
+          <p:nvPr/>
+        </p:nvSpPr>
+        <p:spPr>
+          <a:xfrm>
+            <a:off x="1339355" y="1529957"/>
+            <a:ext cx="7496035" cy="3256226"/>
+          </a:xfrm>
+          <a:prstGeom prst="roundRect">
+            <a:avLst>
+              <a:gd name="adj" fmla="val 9818"/>
+            </a:avLst>
+          </a:prstGeom>
+          <a:noFill/>
+          <a:ln w="12700">
+            <a:solidFill>
+              <a:schemeClr val="tx1"/>
+            </a:solidFill>
+            <a:prstDash val="solid"/>
           </a:ln>
           <a:effectLst/>
         </p:spPr>
@@ -13402,226 +14226,54 @@
           </a:fontRef>
         </p:style>
         <p:txBody>
-          <a:bodyPr rtlCol="0" anchor="ctr"/>
+          <a:bodyPr anchor="ctr"/>
           <a:lstStyle/>
           <a:p>
-            <a:r>
-              <a:rPr lang="en-US" sz="1200" dirty="0" smtClean="0"/>
-              <a:t>I’ve found 15 available slots at Secure Parking </a:t>
-            </a:r>
-            <a:r>
-              <a:rPr lang="mr-IN" sz="1200" dirty="0" smtClean="0"/>
-              <a:t>–</a:t>
-            </a:r>
-            <a:r>
-              <a:rPr lang="en-US" sz="1200" dirty="0" smtClean="0"/>
-              <a:t> </a:t>
-            </a:r>
-            <a:r>
-              <a:rPr lang="en-US" sz="1200" dirty="0" err="1" smtClean="0"/>
-              <a:t>Flinder</a:t>
-            </a:r>
-            <a:r>
-              <a:rPr lang="en-US" sz="1200" dirty="0" smtClean="0"/>
-              <a:t> Lane Car Park, do you want to make a booking?</a:t>
-            </a:r>
-            <a:endParaRPr lang="en-US" sz="1200" dirty="0"/>
-          </a:p>
-        </p:txBody>
-      </p:sp>
-      <p:sp>
-        <p:nvSpPr>
-          <p:cNvPr id="6" name="Rounded Rectangular Callout 5"/>
-          <p:cNvSpPr/>
-          <p:nvPr/>
-        </p:nvSpPr>
-        <p:spPr>
-          <a:xfrm>
-            <a:off x="4990618" y="756676"/>
-            <a:ext cx="3115520" cy="665359"/>
-          </a:xfrm>
-          <a:prstGeom prst="wedgeRoundRectCallout">
-            <a:avLst>
-              <a:gd name="adj1" fmla="val 45145"/>
-              <a:gd name="adj2" fmla="val 89214"/>
-              <a:gd name="adj3" fmla="val 16667"/>
-            </a:avLst>
-          </a:prstGeom>
-          <a:solidFill>
-            <a:schemeClr val="accent6">
-              <a:lumMod val="50000"/>
-            </a:schemeClr>
-          </a:solidFill>
-          <a:ln>
-            <a:noFill/>
-          </a:ln>
-          <a:effectLst/>
-        </p:spPr>
-        <p:style>
-          <a:lnRef idx="1">
-            <a:schemeClr val="accent1"/>
-          </a:lnRef>
-          <a:fillRef idx="3">
-            <a:schemeClr val="accent1"/>
-          </a:fillRef>
-          <a:effectRef idx="2">
-            <a:schemeClr val="accent1"/>
-          </a:effectRef>
-          <a:fontRef idx="minor">
-            <a:schemeClr val="lt1"/>
-          </a:fontRef>
-        </p:style>
-        <p:txBody>
-          <a:bodyPr rtlCol="0" anchor="ctr"/>
-          <a:lstStyle/>
-          <a:p>
-            <a:r>
-              <a:rPr lang="en-US" dirty="0" smtClean="0"/>
-              <a:t>Alexa, find me a parking space near Collins Place.</a:t>
-            </a:r>
-            <a:endParaRPr lang="en-US" dirty="0"/>
-          </a:p>
-        </p:txBody>
-      </p:sp>
-      <p:sp>
-        <p:nvSpPr>
-          <p:cNvPr id="7" name="Rounded Rectangular Callout 6"/>
-          <p:cNvSpPr/>
-          <p:nvPr/>
-        </p:nvSpPr>
-        <p:spPr>
-          <a:xfrm>
-            <a:off x="4990618" y="2183943"/>
-            <a:ext cx="3115520" cy="665359"/>
-          </a:xfrm>
-          <a:prstGeom prst="wedgeRoundRectCallout">
-            <a:avLst>
-              <a:gd name="adj1" fmla="val 45145"/>
-              <a:gd name="adj2" fmla="val 89214"/>
-              <a:gd name="adj3" fmla="val 16667"/>
-            </a:avLst>
-          </a:prstGeom>
-          <a:solidFill>
-            <a:schemeClr val="accent6">
-              <a:lumMod val="50000"/>
-            </a:schemeClr>
-          </a:solidFill>
-          <a:ln>
-            <a:noFill/>
-          </a:ln>
-          <a:effectLst/>
-        </p:spPr>
-        <p:style>
-          <a:lnRef idx="1">
-            <a:schemeClr val="accent1"/>
-          </a:lnRef>
-          <a:fillRef idx="3">
-            <a:schemeClr val="accent1"/>
-          </a:fillRef>
-          <a:effectRef idx="2">
-            <a:schemeClr val="accent1"/>
-          </a:effectRef>
-          <a:fontRef idx="minor">
-            <a:schemeClr val="lt1"/>
-          </a:fontRef>
-        </p:style>
-        <p:txBody>
-          <a:bodyPr rtlCol="0" anchor="ctr"/>
-          <a:lstStyle/>
-          <a:p>
-            <a:r>
-              <a:rPr lang="en-US" dirty="0" smtClean="0"/>
-              <a:t>Yes, book me a parking slot at 7pm.</a:t>
-            </a:r>
-            <a:endParaRPr lang="en-US" dirty="0"/>
-          </a:p>
-        </p:txBody>
-      </p:sp>
-      <p:sp>
-        <p:nvSpPr>
-          <p:cNvPr id="9" name="Rounded Rectangular Callout 8"/>
-          <p:cNvSpPr/>
-          <p:nvPr/>
-        </p:nvSpPr>
-        <p:spPr>
-          <a:xfrm>
-            <a:off x="771959" y="2939969"/>
-            <a:ext cx="2318481" cy="1006998"/>
-          </a:xfrm>
-          <a:prstGeom prst="wedgeRoundRectCallout">
-            <a:avLst>
-              <a:gd name="adj1" fmla="val -47734"/>
-              <a:gd name="adj2" fmla="val 84279"/>
-              <a:gd name="adj3" fmla="val 16667"/>
-            </a:avLst>
-          </a:prstGeom>
-          <a:solidFill>
-            <a:schemeClr val="accent2"/>
-          </a:solidFill>
-          <a:ln>
-            <a:noFill/>
-          </a:ln>
-          <a:effectLst/>
-        </p:spPr>
-        <p:style>
-          <a:lnRef idx="1">
-            <a:schemeClr val="accent1"/>
-          </a:lnRef>
-          <a:fillRef idx="3">
-            <a:schemeClr val="accent1"/>
-          </a:fillRef>
-          <a:effectRef idx="2">
-            <a:schemeClr val="accent1"/>
-          </a:effectRef>
-          <a:fontRef idx="minor">
-            <a:schemeClr val="lt1"/>
-          </a:fontRef>
-        </p:style>
-        <p:txBody>
-          <a:bodyPr rtlCol="0" anchor="ctr"/>
-          <a:lstStyle/>
-          <a:p>
-            <a:r>
-              <a:rPr lang="en-US" sz="1200" dirty="0" smtClean="0"/>
-              <a:t>Your booking is confirmed. A confirmation message has been sent to your phone.</a:t>
-            </a:r>
-          </a:p>
-          <a:p>
-            <a:r>
-              <a:rPr lang="en-US" sz="1200" dirty="0" smtClean="0"/>
-              <a:t>Have a nice day. Don’t drink and drive.</a:t>
-            </a:r>
-            <a:endParaRPr lang="en-US" sz="1200" dirty="0"/>
+            <a:pPr algn="ctr" fontAlgn="auto">
+              <a:spcBef>
+                <a:spcPts val="0"/>
+              </a:spcBef>
+              <a:spcAft>
+                <a:spcPts val="0"/>
+              </a:spcAft>
+              <a:defRPr/>
+            </a:pPr>
+            <a:endParaRPr lang="en-US" dirty="0">
+              <a:solidFill>
+                <a:schemeClr val="tx1">
+                  <a:lumMod val="50000"/>
+                </a:schemeClr>
+              </a:solidFill>
+              <a:latin typeface="Calibri Light"/>
+              <a:cs typeface="Calibri Light"/>
+            </a:endParaRPr>
           </a:p>
         </p:txBody>
       </p:sp>
       <p:pic>
         <p:nvPicPr>
-          <p:cNvPr id="10" name="speech_20170630004507449.mp3">
-            <a:hlinkClick r:id="" action="ppaction://media"/>
-          </p:cNvPr>
+          <p:cNvPr id="12" name="Picture 11" descr="Users.png"/>
           <p:cNvPicPr>
             <a:picLocks noChangeAspect="1"/>
           </p:cNvPicPr>
-          <p:nvPr>
-            <a:audioFile r:link="rId2"/>
-            <p:extLst>
-              <p:ext uri="{DAA4B4D4-6D71-4841-9C94-3DE7FCFB9230}">
-                <p14:media xmlns:p14="http://schemas.microsoft.com/office/powerpoint/2010/main" r:embed="rId1"/>
-              </p:ext>
-            </p:extLst>
-          </p:nvPr>
+          <p:nvPr/>
         </p:nvPicPr>
         <p:blipFill>
-          <a:blip r:embed="rId6"/>
+          <a:blip r:embed="rId3" cstate="print">
+            <a:extLst>
+              <a:ext uri="{28A0092B-C50C-407E-A947-70E740481C1C}">
+                <a14:useLocalDpi xmlns:a14="http://schemas.microsoft.com/office/drawing/2010/main"/>
+              </a:ext>
+            </a:extLst>
+          </a:blip>
           <a:stretch>
             <a:fillRect/>
           </a:stretch>
         </p:blipFill>
         <p:spPr>
           <a:xfrm>
-            <a:off x="282366" y="4097880"/>
-            <a:ext cx="489593" cy="489593"/>
+            <a:off x="6725808" y="373387"/>
+            <a:ext cx="731520" cy="731520"/>
           </a:xfrm>
           <a:prstGeom prst="rect">
             <a:avLst/>
@@ -13630,41 +14282,1993 @@
       </p:pic>
       <p:pic>
         <p:nvPicPr>
-          <p:cNvPr id="12" name="speech_20170630005404811.mp3">
-            <a:hlinkClick r:id="" action="ppaction://media"/>
-          </p:cNvPr>
+          <p:cNvPr id="19" name="Picture 18" descr="AWS-Cloud.png"/>
           <p:cNvPicPr>
             <a:picLocks noChangeAspect="1"/>
           </p:cNvPicPr>
-          <p:nvPr>
-            <a:audioFile r:link="rId4"/>
-            <p:extLst>
-              <p:ext uri="{DAA4B4D4-6D71-4841-9C94-3DE7FCFB9230}">
-                <p14:media xmlns:p14="http://schemas.microsoft.com/office/powerpoint/2010/main" r:embed="rId3"/>
-              </p:ext>
-            </p:extLst>
-          </p:nvPr>
+          <p:nvPr/>
         </p:nvPicPr>
         <p:blipFill>
-          <a:blip r:embed="rId6"/>
+          <a:blip r:embed="rId4" cstate="print">
+            <a:extLst>
+              <a:ext uri="{28A0092B-C50C-407E-A947-70E740481C1C}">
+                <a14:useLocalDpi xmlns:a14="http://schemas.microsoft.com/office/drawing/2010/main"/>
+              </a:ext>
+            </a:extLst>
+          </a:blip>
           <a:stretch>
             <a:fillRect/>
           </a:stretch>
         </p:blipFill>
         <p:spPr>
           <a:xfrm>
-            <a:off x="187598" y="2338407"/>
-            <a:ext cx="535892" cy="535892"/>
+            <a:off x="1495822" y="1322576"/>
+            <a:ext cx="621656" cy="621656"/>
           </a:xfrm>
           <a:prstGeom prst="rect">
             <a:avLst/>
           </a:prstGeom>
         </p:spPr>
       </p:pic>
+      <p:sp>
+        <p:nvSpPr>
+          <p:cNvPr id="32" name="TextBox 31"/>
+          <p:cNvSpPr txBox="1"/>
+          <p:nvPr/>
+        </p:nvSpPr>
+        <p:spPr>
+          <a:xfrm>
+            <a:off x="6877292" y="1030022"/>
+            <a:ext cx="471738" cy="169277"/>
+          </a:xfrm>
+          <a:prstGeom prst="rect">
+            <a:avLst/>
+          </a:prstGeom>
+          <a:noFill/>
+        </p:spPr>
+        <p:txBody>
+          <a:bodyPr wrap="square" lIns="0" tIns="0" rIns="0" bIns="0" rtlCol="0">
+            <a:spAutoFit/>
+          </a:bodyPr>
+          <a:lstStyle/>
+          <a:p>
+            <a:pPr algn="ctr"/>
+            <a:r>
+              <a:rPr lang="en-US" sz="1100" dirty="0">
+                <a:solidFill>
+                  <a:schemeClr val="tx1">
+                    <a:lumMod val="50000"/>
+                  </a:schemeClr>
+                </a:solidFill>
+                <a:latin typeface="Helvetica Neue"/>
+                <a:cs typeface="Helvetica Neue"/>
+              </a:rPr>
+              <a:t>U</a:t>
+            </a:r>
+            <a:r>
+              <a:rPr lang="en-US" sz="1100" dirty="0" smtClean="0">
+                <a:solidFill>
+                  <a:schemeClr val="tx1">
+                    <a:lumMod val="50000"/>
+                  </a:schemeClr>
+                </a:solidFill>
+                <a:latin typeface="Helvetica Neue"/>
+                <a:cs typeface="Helvetica Neue"/>
+              </a:rPr>
+              <a:t>sers</a:t>
+            </a:r>
+            <a:endParaRPr lang="en-US" sz="1100" dirty="0">
+              <a:solidFill>
+                <a:schemeClr val="tx1">
+                  <a:lumMod val="50000"/>
+                </a:schemeClr>
+              </a:solidFill>
+              <a:latin typeface="Helvetica Neue"/>
+              <a:cs typeface="Helvetica Neue"/>
+            </a:endParaRPr>
+          </a:p>
+        </p:txBody>
+      </p:sp>
+      <p:pic>
+        <p:nvPicPr>
+          <p:cNvPr id="78" name="Picture 77"/>
+          <p:cNvPicPr>
+            <a:picLocks noChangeAspect="1"/>
+          </p:cNvPicPr>
+          <p:nvPr/>
+        </p:nvPicPr>
+        <p:blipFill>
+          <a:blip r:embed="rId5">
+            <a:extLst>
+              <a:ext uri="{28A0092B-C50C-407E-A947-70E740481C1C}">
+                <a14:useLocalDpi xmlns:a14="http://schemas.microsoft.com/office/drawing/2010/main" val="0"/>
+              </a:ext>
+            </a:extLst>
+          </a:blip>
+          <a:stretch>
+            <a:fillRect/>
+          </a:stretch>
+        </p:blipFill>
+        <p:spPr>
+          <a:xfrm>
+            <a:off x="4911483" y="694548"/>
+            <a:ext cx="431541" cy="517848"/>
+          </a:xfrm>
+          <a:prstGeom prst="rect">
+            <a:avLst/>
+          </a:prstGeom>
+        </p:spPr>
+      </p:pic>
+      <p:pic>
+        <p:nvPicPr>
+          <p:cNvPr id="79" name="Picture 78"/>
+          <p:cNvPicPr>
+            <a:picLocks noChangeAspect="1"/>
+          </p:cNvPicPr>
+          <p:nvPr/>
+        </p:nvPicPr>
+        <p:blipFill>
+          <a:blip r:embed="rId6">
+            <a:extLst>
+              <a:ext uri="{28A0092B-C50C-407E-A947-70E740481C1C}">
+                <a14:useLocalDpi xmlns:a14="http://schemas.microsoft.com/office/drawing/2010/main" val="0"/>
+              </a:ext>
+            </a:extLst>
+          </a:blip>
+          <a:stretch>
+            <a:fillRect/>
+          </a:stretch>
+        </p:blipFill>
+        <p:spPr>
+          <a:xfrm>
+            <a:off x="6215688" y="597184"/>
+            <a:ext cx="460168" cy="546449"/>
+          </a:xfrm>
+          <a:prstGeom prst="rect">
+            <a:avLst/>
+          </a:prstGeom>
+        </p:spPr>
+      </p:pic>
+      <p:pic>
+        <p:nvPicPr>
+          <p:cNvPr id="81" name="Picture 80"/>
+          <p:cNvPicPr>
+            <a:picLocks noChangeAspect="1"/>
+          </p:cNvPicPr>
+          <p:nvPr/>
+        </p:nvPicPr>
+        <p:blipFill>
+          <a:blip r:embed="rId7">
+            <a:extLst>
+              <a:ext uri="{28A0092B-C50C-407E-A947-70E740481C1C}">
+                <a14:useLocalDpi xmlns:a14="http://schemas.microsoft.com/office/drawing/2010/main" val="0"/>
+              </a:ext>
+            </a:extLst>
+          </a:blip>
+          <a:stretch>
+            <a:fillRect/>
+          </a:stretch>
+        </p:blipFill>
+        <p:spPr>
+          <a:xfrm>
+            <a:off x="6213435" y="2724198"/>
+            <a:ext cx="471334" cy="565600"/>
+          </a:xfrm>
+          <a:prstGeom prst="rect">
+            <a:avLst/>
+          </a:prstGeom>
+        </p:spPr>
+      </p:pic>
+      <p:cxnSp>
+        <p:nvCxnSpPr>
+          <p:cNvPr id="99" name="Straight Arrow Connector 98"/>
+          <p:cNvCxnSpPr>
+            <a:stCxn id="12" idx="1"/>
+            <a:endCxn id="79" idx="3"/>
+          </p:cNvCxnSpPr>
+          <p:nvPr/>
+        </p:nvCxnSpPr>
+        <p:spPr>
+          <a:xfrm flipH="1">
+            <a:off x="6675856" y="739147"/>
+            <a:ext cx="49952" cy="131262"/>
+          </a:xfrm>
+          <a:prstGeom prst="straightConnector1">
+            <a:avLst/>
+          </a:prstGeom>
+          <a:ln>
+            <a:solidFill>
+              <a:schemeClr val="tx1"/>
+            </a:solidFill>
+            <a:tailEnd type="triangle"/>
+          </a:ln>
+        </p:spPr>
+        <p:style>
+          <a:lnRef idx="2">
+            <a:schemeClr val="accent1"/>
+          </a:lnRef>
+          <a:fillRef idx="0">
+            <a:schemeClr val="accent1"/>
+          </a:fillRef>
+          <a:effectRef idx="1">
+            <a:schemeClr val="accent1"/>
+          </a:effectRef>
+          <a:fontRef idx="minor">
+            <a:schemeClr val="tx1"/>
+          </a:fontRef>
+        </p:style>
+      </p:cxnSp>
+      <p:sp>
+        <p:nvSpPr>
+          <p:cNvPr id="108" name="TextBox 34"/>
+          <p:cNvSpPr txBox="1">
+            <a:spLocks noChangeArrowheads="1"/>
+          </p:cNvSpPr>
+          <p:nvPr/>
+        </p:nvSpPr>
+        <p:spPr bwMode="auto">
+          <a:xfrm>
+            <a:off x="4658520" y="1170819"/>
+            <a:ext cx="956071" cy="415498"/>
+          </a:xfrm>
+          <a:prstGeom prst="rect">
+            <a:avLst/>
+          </a:prstGeom>
+          <a:noFill/>
+          <a:ln w="9525">
+            <a:noFill/>
+            <a:miter lim="800000"/>
+            <a:headEnd/>
+            <a:tailEnd/>
+          </a:ln>
+        </p:spPr>
+        <p:txBody>
+          <a:bodyPr wrap="square" anchor="ctr" anchorCtr="0">
+            <a:spAutoFit/>
+          </a:bodyPr>
+          <a:lstStyle/>
+          <a:p>
+            <a:pPr algn="ctr"/>
+            <a:r>
+              <a:rPr lang="en-US" sz="1050" dirty="0" smtClean="0">
+                <a:solidFill>
+                  <a:schemeClr val="tx1">
+                    <a:lumMod val="50000"/>
+                  </a:schemeClr>
+                </a:solidFill>
+                <a:latin typeface="Arial"/>
+                <a:ea typeface="Verdana" pitchFamily="34" charset="0"/>
+                <a:cs typeface="Arial"/>
+              </a:rPr>
+              <a:t>Amazon CloudFront</a:t>
+            </a:r>
+            <a:endParaRPr lang="en-US" sz="1050" dirty="0">
+              <a:solidFill>
+                <a:schemeClr val="tx1">
+                  <a:lumMod val="50000"/>
+                </a:schemeClr>
+              </a:solidFill>
+              <a:latin typeface="Arial"/>
+              <a:ea typeface="Verdana" pitchFamily="34" charset="0"/>
+              <a:cs typeface="Arial"/>
+            </a:endParaRPr>
+          </a:p>
+        </p:txBody>
+      </p:sp>
+      <p:sp>
+        <p:nvSpPr>
+          <p:cNvPr id="109" name="TextBox 34"/>
+          <p:cNvSpPr txBox="1">
+            <a:spLocks noChangeArrowheads="1"/>
+          </p:cNvSpPr>
+          <p:nvPr/>
+        </p:nvSpPr>
+        <p:spPr bwMode="auto">
+          <a:xfrm>
+            <a:off x="6704432" y="2921202"/>
+            <a:ext cx="956071" cy="415498"/>
+          </a:xfrm>
+          <a:prstGeom prst="rect">
+            <a:avLst/>
+          </a:prstGeom>
+          <a:noFill/>
+          <a:ln w="9525">
+            <a:noFill/>
+            <a:miter lim="800000"/>
+            <a:headEnd/>
+            <a:tailEnd/>
+          </a:ln>
+        </p:spPr>
+        <p:txBody>
+          <a:bodyPr wrap="square" anchor="ctr" anchorCtr="0">
+            <a:spAutoFit/>
+          </a:bodyPr>
+          <a:lstStyle/>
+          <a:p>
+            <a:pPr algn="ctr"/>
+            <a:r>
+              <a:rPr lang="en-US" sz="1050" dirty="0" smtClean="0">
+                <a:solidFill>
+                  <a:schemeClr val="tx1">
+                    <a:lumMod val="50000"/>
+                  </a:schemeClr>
+                </a:solidFill>
+                <a:latin typeface="Arial"/>
+                <a:ea typeface="Verdana" pitchFamily="34" charset="0"/>
+                <a:cs typeface="Arial"/>
+              </a:rPr>
+              <a:t>Amazon API Gateway</a:t>
+            </a:r>
+            <a:endParaRPr lang="en-US" sz="1050" dirty="0">
+              <a:solidFill>
+                <a:schemeClr val="tx1">
+                  <a:lumMod val="50000"/>
+                </a:schemeClr>
+              </a:solidFill>
+              <a:latin typeface="Arial"/>
+              <a:ea typeface="Verdana" pitchFamily="34" charset="0"/>
+              <a:cs typeface="Arial"/>
+            </a:endParaRPr>
+          </a:p>
+        </p:txBody>
+      </p:sp>
+      <p:sp>
+        <p:nvSpPr>
+          <p:cNvPr id="110" name="TextBox 34"/>
+          <p:cNvSpPr txBox="1">
+            <a:spLocks noChangeArrowheads="1"/>
+          </p:cNvSpPr>
+          <p:nvPr/>
+        </p:nvSpPr>
+        <p:spPr bwMode="auto">
+          <a:xfrm>
+            <a:off x="5990322" y="1194594"/>
+            <a:ext cx="956071" cy="415498"/>
+          </a:xfrm>
+          <a:prstGeom prst="rect">
+            <a:avLst/>
+          </a:prstGeom>
+          <a:noFill/>
+          <a:ln w="9525">
+            <a:noFill/>
+            <a:miter lim="800000"/>
+            <a:headEnd/>
+            <a:tailEnd/>
+          </a:ln>
+        </p:spPr>
+        <p:txBody>
+          <a:bodyPr wrap="square" anchor="ctr" anchorCtr="0">
+            <a:spAutoFit/>
+          </a:bodyPr>
+          <a:lstStyle/>
+          <a:p>
+            <a:pPr algn="ctr"/>
+            <a:r>
+              <a:rPr lang="en-US" sz="1050" dirty="0" smtClean="0">
+                <a:solidFill>
+                  <a:schemeClr val="tx1">
+                    <a:lumMod val="50000"/>
+                  </a:schemeClr>
+                </a:solidFill>
+                <a:latin typeface="Arial"/>
+                <a:ea typeface="Verdana" pitchFamily="34" charset="0"/>
+                <a:cs typeface="Arial"/>
+              </a:rPr>
+              <a:t>Amazon Route 53</a:t>
+            </a:r>
+            <a:endParaRPr lang="en-US" sz="1050" dirty="0">
+              <a:solidFill>
+                <a:schemeClr val="tx1">
+                  <a:lumMod val="50000"/>
+                </a:schemeClr>
+              </a:solidFill>
+              <a:latin typeface="Arial"/>
+              <a:ea typeface="Verdana" pitchFamily="34" charset="0"/>
+              <a:cs typeface="Arial"/>
+            </a:endParaRPr>
+          </a:p>
+        </p:txBody>
+      </p:sp>
+      <p:cxnSp>
+        <p:nvCxnSpPr>
+          <p:cNvPr id="111" name="Straight Arrow Connector 110"/>
+          <p:cNvCxnSpPr>
+            <a:stCxn id="79" idx="2"/>
+            <a:endCxn id="81" idx="0"/>
+          </p:cNvCxnSpPr>
+          <p:nvPr/>
+        </p:nvCxnSpPr>
+        <p:spPr>
+          <a:xfrm>
+            <a:off x="6445772" y="1143633"/>
+            <a:ext cx="3330" cy="1580565"/>
+          </a:xfrm>
+          <a:prstGeom prst="straightConnector1">
+            <a:avLst/>
+          </a:prstGeom>
+          <a:ln>
+            <a:solidFill>
+              <a:schemeClr val="tx1"/>
+            </a:solidFill>
+            <a:tailEnd type="triangle"/>
+          </a:ln>
+        </p:spPr>
+        <p:style>
+          <a:lnRef idx="2">
+            <a:schemeClr val="accent1"/>
+          </a:lnRef>
+          <a:fillRef idx="0">
+            <a:schemeClr val="accent1"/>
+          </a:fillRef>
+          <a:effectRef idx="1">
+            <a:schemeClr val="accent1"/>
+          </a:effectRef>
+          <a:fontRef idx="minor">
+            <a:schemeClr val="tx1"/>
+          </a:fontRef>
+        </p:style>
+      </p:cxnSp>
+      <p:cxnSp>
+        <p:nvCxnSpPr>
+          <p:cNvPr id="119" name="Elbow Connector 118"/>
+          <p:cNvCxnSpPr>
+            <a:stCxn id="79" idx="1"/>
+            <a:endCxn id="78" idx="3"/>
+          </p:cNvCxnSpPr>
+          <p:nvPr/>
+        </p:nvCxnSpPr>
+        <p:spPr>
+          <a:xfrm rot="10800000" flipV="1">
+            <a:off x="5343024" y="870408"/>
+            <a:ext cx="872664" cy="83063"/>
+          </a:xfrm>
+          <a:prstGeom prst="bentConnector3">
+            <a:avLst>
+              <a:gd name="adj1" fmla="val 50000"/>
+            </a:avLst>
+          </a:prstGeom>
+          <a:ln>
+            <a:tailEnd type="triangle"/>
+          </a:ln>
+        </p:spPr>
+        <p:style>
+          <a:lnRef idx="2">
+            <a:schemeClr val="dk1"/>
+          </a:lnRef>
+          <a:fillRef idx="0">
+            <a:schemeClr val="dk1"/>
+          </a:fillRef>
+          <a:effectRef idx="1">
+            <a:schemeClr val="dk1"/>
+          </a:effectRef>
+          <a:fontRef idx="minor">
+            <a:schemeClr val="tx1"/>
+          </a:fontRef>
+        </p:style>
+      </p:cxnSp>
+      <p:pic>
+        <p:nvPicPr>
+          <p:cNvPr id="9" name="Picture 8"/>
+          <p:cNvPicPr>
+            <a:picLocks noChangeAspect="1"/>
+          </p:cNvPicPr>
+          <p:nvPr/>
+        </p:nvPicPr>
+        <p:blipFill>
+          <a:blip r:embed="rId8">
+            <a:extLst>
+              <a:ext uri="{28A0092B-C50C-407E-A947-70E740481C1C}">
+                <a14:useLocalDpi xmlns:a14="http://schemas.microsoft.com/office/drawing/2010/main" val="0"/>
+              </a:ext>
+            </a:extLst>
+          </a:blip>
+          <a:stretch>
+            <a:fillRect/>
+          </a:stretch>
+        </p:blipFill>
+        <p:spPr>
+          <a:xfrm>
+            <a:off x="3309013" y="2672335"/>
+            <a:ext cx="461155" cy="479240"/>
+          </a:xfrm>
+          <a:prstGeom prst="rect">
+            <a:avLst/>
+          </a:prstGeom>
+        </p:spPr>
+      </p:pic>
+      <p:pic>
+        <p:nvPicPr>
+          <p:cNvPr id="11" name="Picture 10"/>
+          <p:cNvPicPr>
+            <a:picLocks noChangeAspect="1"/>
+          </p:cNvPicPr>
+          <p:nvPr/>
+        </p:nvPicPr>
+        <p:blipFill>
+          <a:blip r:embed="rId9">
+            <a:extLst>
+              <a:ext uri="{28A0092B-C50C-407E-A947-70E740481C1C}">
+                <a14:useLocalDpi xmlns:a14="http://schemas.microsoft.com/office/drawing/2010/main" val="0"/>
+              </a:ext>
+            </a:extLst>
+          </a:blip>
+          <a:stretch>
+            <a:fillRect/>
+          </a:stretch>
+        </p:blipFill>
+        <p:spPr>
+          <a:xfrm>
+            <a:off x="4792594" y="3322095"/>
+            <a:ext cx="409538" cy="461847"/>
+          </a:xfrm>
+          <a:prstGeom prst="rect">
+            <a:avLst/>
+          </a:prstGeom>
+        </p:spPr>
+      </p:pic>
+      <p:pic>
+        <p:nvPicPr>
+          <p:cNvPr id="17" name="Picture 16"/>
+          <p:cNvPicPr>
+            <a:picLocks noChangeAspect="1"/>
+          </p:cNvPicPr>
+          <p:nvPr/>
+        </p:nvPicPr>
+        <p:blipFill>
+          <a:blip r:embed="rId10">
+            <a:extLst>
+              <a:ext uri="{28A0092B-C50C-407E-A947-70E740481C1C}">
+                <a14:useLocalDpi xmlns:a14="http://schemas.microsoft.com/office/drawing/2010/main" val="0"/>
+              </a:ext>
+            </a:extLst>
+          </a:blip>
+          <a:stretch>
+            <a:fillRect/>
+          </a:stretch>
+        </p:blipFill>
+        <p:spPr>
+          <a:xfrm>
+            <a:off x="3321636" y="1757340"/>
+            <a:ext cx="441444" cy="533629"/>
+          </a:xfrm>
+          <a:prstGeom prst="rect">
+            <a:avLst/>
+          </a:prstGeom>
+        </p:spPr>
+      </p:pic>
+      <p:pic>
+        <p:nvPicPr>
+          <p:cNvPr id="60" name="Picture 59"/>
+          <p:cNvPicPr>
+            <a:picLocks noChangeAspect="1"/>
+          </p:cNvPicPr>
+          <p:nvPr/>
+        </p:nvPicPr>
+        <p:blipFill>
+          <a:blip r:embed="rId8">
+            <a:extLst>
+              <a:ext uri="{28A0092B-C50C-407E-A947-70E740481C1C}">
+                <a14:useLocalDpi xmlns:a14="http://schemas.microsoft.com/office/drawing/2010/main" val="0"/>
+              </a:ext>
+            </a:extLst>
+          </a:blip>
+          <a:stretch>
+            <a:fillRect/>
+          </a:stretch>
+        </p:blipFill>
+        <p:spPr>
+          <a:xfrm>
+            <a:off x="6218065" y="3651827"/>
+            <a:ext cx="470733" cy="489193"/>
+          </a:xfrm>
+          <a:prstGeom prst="rect">
+            <a:avLst/>
+          </a:prstGeom>
+        </p:spPr>
+      </p:pic>
+      <p:pic>
+        <p:nvPicPr>
+          <p:cNvPr id="20" name="Picture 19"/>
+          <p:cNvPicPr>
+            <a:picLocks noChangeAspect="1"/>
+          </p:cNvPicPr>
+          <p:nvPr/>
+        </p:nvPicPr>
+        <p:blipFill>
+          <a:blip r:embed="rId11">
+            <a:extLst>
+              <a:ext uri="{28A0092B-C50C-407E-A947-70E740481C1C}">
+                <a14:useLocalDpi xmlns:a14="http://schemas.microsoft.com/office/drawing/2010/main" val="0"/>
+              </a:ext>
+            </a:extLst>
+          </a:blip>
+          <a:stretch>
+            <a:fillRect/>
+          </a:stretch>
+        </p:blipFill>
+        <p:spPr>
+          <a:xfrm>
+            <a:off x="8189104" y="2182149"/>
+            <a:ext cx="453036" cy="453036"/>
+          </a:xfrm>
+          <a:prstGeom prst="rect">
+            <a:avLst/>
+          </a:prstGeom>
+        </p:spPr>
+      </p:pic>
+      <p:pic>
+        <p:nvPicPr>
+          <p:cNvPr id="21" name="Picture 20"/>
+          <p:cNvPicPr>
+            <a:picLocks noChangeAspect="1"/>
+          </p:cNvPicPr>
+          <p:nvPr/>
+        </p:nvPicPr>
+        <p:blipFill>
+          <a:blip r:embed="rId12">
+            <a:extLst>
+              <a:ext uri="{28A0092B-C50C-407E-A947-70E740481C1C}">
+                <a14:useLocalDpi xmlns:a14="http://schemas.microsoft.com/office/drawing/2010/main" val="0"/>
+              </a:ext>
+            </a:extLst>
+          </a:blip>
+          <a:stretch>
+            <a:fillRect/>
+          </a:stretch>
+        </p:blipFill>
+        <p:spPr>
+          <a:xfrm>
+            <a:off x="7457328" y="592674"/>
+            <a:ext cx="268550" cy="411582"/>
+          </a:xfrm>
+          <a:prstGeom prst="rect">
+            <a:avLst/>
+          </a:prstGeom>
+        </p:spPr>
+      </p:pic>
+      <p:pic>
+        <p:nvPicPr>
+          <p:cNvPr id="1026" name="Picture 2" descr="ttp://www.freeiconspng.com/uploads/car-icon-27.png"/>
+          <p:cNvPicPr>
+            <a:picLocks noChangeAspect="1" noChangeArrowheads="1"/>
+          </p:cNvPicPr>
+          <p:nvPr/>
+        </p:nvPicPr>
+        <p:blipFill>
+          <a:blip r:embed="rId13">
+            <a:extLst>
+              <a:ext uri="{28A0092B-C50C-407E-A947-70E740481C1C}">
+                <a14:useLocalDpi xmlns:a14="http://schemas.microsoft.com/office/drawing/2010/main" val="0"/>
+              </a:ext>
+            </a:extLst>
+          </a:blip>
+          <a:srcRect/>
+          <a:stretch>
+            <a:fillRect/>
+          </a:stretch>
+        </p:blipFill>
+        <p:spPr bwMode="auto">
+          <a:xfrm>
+            <a:off x="2087269" y="327716"/>
+            <a:ext cx="809303" cy="809303"/>
+          </a:xfrm>
+          <a:prstGeom prst="rect">
+            <a:avLst/>
+          </a:prstGeom>
+          <a:noFill/>
+          <a:extLst>
+            <a:ext uri="{909E8E84-426E-40DD-AFC4-6F175D3DCCD1}">
+              <a14:hiddenFill xmlns:a14="http://schemas.microsoft.com/office/drawing/2010/main">
+                <a:solidFill>
+                  <a:srgbClr val="FFFFFF"/>
+                </a:solidFill>
+              </a14:hiddenFill>
+            </a:ext>
+          </a:extLst>
+        </p:spPr>
+      </p:pic>
+      <p:pic>
+        <p:nvPicPr>
+          <p:cNvPr id="1028" name="Picture 4" descr="ttp://www.freeiconspng.com/uploads/camera-icon-png-camera-icon-png-transparent-16.png"/>
+          <p:cNvPicPr>
+            <a:picLocks noChangeAspect="1" noChangeArrowheads="1"/>
+          </p:cNvPicPr>
+          <p:nvPr/>
+        </p:nvPicPr>
+        <p:blipFill>
+          <a:blip r:embed="rId14">
+            <a:extLst>
+              <a:ext uri="{28A0092B-C50C-407E-A947-70E740481C1C}">
+                <a14:useLocalDpi xmlns:a14="http://schemas.microsoft.com/office/drawing/2010/main" val="0"/>
+              </a:ext>
+            </a:extLst>
+          </a:blip>
+          <a:srcRect/>
+          <a:stretch>
+            <a:fillRect/>
+          </a:stretch>
+        </p:blipFill>
+        <p:spPr bwMode="auto">
+          <a:xfrm>
+            <a:off x="3221419" y="317230"/>
+            <a:ext cx="638902" cy="638902"/>
+          </a:xfrm>
+          <a:prstGeom prst="rect">
+            <a:avLst/>
+          </a:prstGeom>
+          <a:noFill/>
+          <a:extLst>
+            <a:ext uri="{909E8E84-426E-40DD-AFC4-6F175D3DCCD1}">
+              <a14:hiddenFill xmlns:a14="http://schemas.microsoft.com/office/drawing/2010/main">
+                <a:solidFill>
+                  <a:srgbClr val="FFFFFF"/>
+                </a:solidFill>
+              </a14:hiddenFill>
+            </a:ext>
+          </a:extLst>
+        </p:spPr>
+      </p:pic>
+      <p:cxnSp>
+        <p:nvCxnSpPr>
+          <p:cNvPr id="73" name="Straight Arrow Connector 72"/>
+          <p:cNvCxnSpPr>
+            <a:stCxn id="17" idx="2"/>
+            <a:endCxn id="9" idx="0"/>
+          </p:cNvCxnSpPr>
+          <p:nvPr/>
+        </p:nvCxnSpPr>
+        <p:spPr>
+          <a:xfrm flipH="1">
+            <a:off x="3539591" y="2290969"/>
+            <a:ext cx="2767" cy="381366"/>
+          </a:xfrm>
+          <a:prstGeom prst="straightConnector1">
+            <a:avLst/>
+          </a:prstGeom>
+          <a:ln>
+            <a:solidFill>
+              <a:schemeClr val="tx1"/>
+            </a:solidFill>
+            <a:tailEnd type="triangle"/>
+          </a:ln>
+        </p:spPr>
+        <p:style>
+          <a:lnRef idx="2">
+            <a:schemeClr val="accent1"/>
+          </a:lnRef>
+          <a:fillRef idx="0">
+            <a:schemeClr val="accent1"/>
+          </a:fillRef>
+          <a:effectRef idx="1">
+            <a:schemeClr val="accent1"/>
+          </a:effectRef>
+          <a:fontRef idx="minor">
+            <a:schemeClr val="tx1"/>
+          </a:fontRef>
+        </p:style>
+      </p:cxnSp>
+      <p:cxnSp>
+        <p:nvCxnSpPr>
+          <p:cNvPr id="101" name="Straight Arrow Connector 100"/>
+          <p:cNvCxnSpPr>
+            <a:stCxn id="225" idx="0"/>
+            <a:endCxn id="20" idx="2"/>
+          </p:cNvCxnSpPr>
+          <p:nvPr/>
+        </p:nvCxnSpPr>
+        <p:spPr>
+          <a:xfrm flipV="1">
+            <a:off x="8415622" y="2635185"/>
+            <a:ext cx="0" cy="1056813"/>
+          </a:xfrm>
+          <a:prstGeom prst="straightConnector1">
+            <a:avLst/>
+          </a:prstGeom>
+          <a:ln>
+            <a:solidFill>
+              <a:schemeClr val="tx1"/>
+            </a:solidFill>
+            <a:tailEnd type="triangle"/>
+          </a:ln>
+        </p:spPr>
+        <p:style>
+          <a:lnRef idx="2">
+            <a:schemeClr val="accent1"/>
+          </a:lnRef>
+          <a:fillRef idx="0">
+            <a:schemeClr val="accent1"/>
+          </a:fillRef>
+          <a:effectRef idx="1">
+            <a:schemeClr val="accent1"/>
+          </a:effectRef>
+          <a:fontRef idx="minor">
+            <a:schemeClr val="tx1"/>
+          </a:fontRef>
+        </p:style>
+      </p:cxnSp>
+      <p:cxnSp>
+        <p:nvCxnSpPr>
+          <p:cNvPr id="103" name="Elbow Connector 102"/>
+          <p:cNvCxnSpPr>
+            <a:stCxn id="20" idx="1"/>
+            <a:endCxn id="21" idx="3"/>
+          </p:cNvCxnSpPr>
+          <p:nvPr/>
+        </p:nvCxnSpPr>
+        <p:spPr>
+          <a:xfrm rot="10800000">
+            <a:off x="7725878" y="798465"/>
+            <a:ext cx="463226" cy="1610202"/>
+          </a:xfrm>
+          <a:prstGeom prst="bentConnector3">
+            <a:avLst>
+              <a:gd name="adj1" fmla="val 50000"/>
+            </a:avLst>
+          </a:prstGeom>
+          <a:ln>
+            <a:tailEnd type="triangle"/>
+          </a:ln>
+        </p:spPr>
+        <p:style>
+          <a:lnRef idx="2">
+            <a:schemeClr val="dk1"/>
+          </a:lnRef>
+          <a:fillRef idx="0">
+            <a:schemeClr val="dk1"/>
+          </a:fillRef>
+          <a:effectRef idx="1">
+            <a:schemeClr val="dk1"/>
+          </a:effectRef>
+          <a:fontRef idx="minor">
+            <a:schemeClr val="tx1"/>
+          </a:fontRef>
+        </p:style>
+      </p:cxnSp>
+      <p:pic>
+        <p:nvPicPr>
+          <p:cNvPr id="55" name="Picture 54"/>
+          <p:cNvPicPr>
+            <a:picLocks noChangeAspect="1"/>
+          </p:cNvPicPr>
+          <p:nvPr/>
+        </p:nvPicPr>
+        <p:blipFill>
+          <a:blip r:embed="rId15">
+            <a:extLst>
+              <a:ext uri="{28A0092B-C50C-407E-A947-70E740481C1C}">
+                <a14:useLocalDpi xmlns:a14="http://schemas.microsoft.com/office/drawing/2010/main" val="0"/>
+              </a:ext>
+            </a:extLst>
+          </a:blip>
+          <a:stretch>
+            <a:fillRect/>
+          </a:stretch>
+        </p:blipFill>
+        <p:spPr>
+          <a:xfrm>
+            <a:off x="1869251" y="4054333"/>
+            <a:ext cx="409557" cy="490990"/>
+          </a:xfrm>
+          <a:prstGeom prst="rect">
+            <a:avLst/>
+          </a:prstGeom>
+        </p:spPr>
+      </p:pic>
+      <p:cxnSp>
+        <p:nvCxnSpPr>
+          <p:cNvPr id="170" name="Elbow Connector 169"/>
+          <p:cNvCxnSpPr>
+            <a:stCxn id="1028" idx="2"/>
+          </p:cNvCxnSpPr>
+          <p:nvPr/>
+        </p:nvCxnSpPr>
+        <p:spPr>
+          <a:xfrm rot="16200000" flipH="1">
+            <a:off x="3141010" y="1355992"/>
+            <a:ext cx="801208" cy="1488"/>
+          </a:xfrm>
+          <a:prstGeom prst="bentConnector3">
+            <a:avLst>
+              <a:gd name="adj1" fmla="val 50000"/>
+            </a:avLst>
+          </a:prstGeom>
+          <a:ln>
+            <a:tailEnd type="triangle"/>
+          </a:ln>
+        </p:spPr>
+        <p:style>
+          <a:lnRef idx="2">
+            <a:schemeClr val="dk1"/>
+          </a:lnRef>
+          <a:fillRef idx="0">
+            <a:schemeClr val="dk1"/>
+          </a:fillRef>
+          <a:effectRef idx="1">
+            <a:schemeClr val="dk1"/>
+          </a:effectRef>
+          <a:fontRef idx="minor">
+            <a:schemeClr val="tx1"/>
+          </a:fontRef>
+        </p:style>
+      </p:cxnSp>
+      <p:cxnSp>
+        <p:nvCxnSpPr>
+          <p:cNvPr id="188" name="Straight Arrow Connector 187"/>
+          <p:cNvCxnSpPr>
+            <a:stCxn id="81" idx="2"/>
+            <a:endCxn id="60" idx="0"/>
+          </p:cNvCxnSpPr>
+          <p:nvPr/>
+        </p:nvCxnSpPr>
+        <p:spPr>
+          <a:xfrm>
+            <a:off x="6449102" y="3289798"/>
+            <a:ext cx="4330" cy="362029"/>
+          </a:xfrm>
+          <a:prstGeom prst="straightConnector1">
+            <a:avLst/>
+          </a:prstGeom>
+          <a:ln>
+            <a:solidFill>
+              <a:schemeClr val="tx1"/>
+            </a:solidFill>
+            <a:tailEnd type="triangle"/>
+          </a:ln>
+        </p:spPr>
+        <p:style>
+          <a:lnRef idx="2">
+            <a:schemeClr val="accent1"/>
+          </a:lnRef>
+          <a:fillRef idx="0">
+            <a:schemeClr val="accent1"/>
+          </a:fillRef>
+          <a:effectRef idx="1">
+            <a:schemeClr val="accent1"/>
+          </a:effectRef>
+          <a:fontRef idx="minor">
+            <a:schemeClr val="tx1"/>
+          </a:fontRef>
+        </p:style>
+      </p:cxnSp>
+      <p:sp>
+        <p:nvSpPr>
+          <p:cNvPr id="196" name="TextBox 34"/>
+          <p:cNvSpPr txBox="1">
+            <a:spLocks noChangeArrowheads="1"/>
+          </p:cNvSpPr>
+          <p:nvPr/>
+        </p:nvSpPr>
+        <p:spPr bwMode="auto">
+          <a:xfrm>
+            <a:off x="2595226" y="1610092"/>
+            <a:ext cx="956071" cy="253916"/>
+          </a:xfrm>
+          <a:prstGeom prst="rect">
+            <a:avLst/>
+          </a:prstGeom>
+          <a:noFill/>
+          <a:ln w="9525">
+            <a:noFill/>
+            <a:miter lim="800000"/>
+            <a:headEnd/>
+            <a:tailEnd/>
+          </a:ln>
+        </p:spPr>
+        <p:txBody>
+          <a:bodyPr wrap="square" anchor="ctr" anchorCtr="0">
+            <a:spAutoFit/>
+          </a:bodyPr>
+          <a:lstStyle/>
+          <a:p>
+            <a:pPr algn="ctr"/>
+            <a:r>
+              <a:rPr lang="en-US" sz="1050" dirty="0" smtClean="0">
+                <a:solidFill>
+                  <a:schemeClr val="tx1">
+                    <a:lumMod val="50000"/>
+                  </a:schemeClr>
+                </a:solidFill>
+                <a:latin typeface="Arial"/>
+                <a:ea typeface="Verdana" pitchFamily="34" charset="0"/>
+                <a:cs typeface="Arial"/>
+              </a:rPr>
+              <a:t>Amazon S3</a:t>
+            </a:r>
+            <a:endParaRPr lang="en-US" sz="1050" dirty="0">
+              <a:solidFill>
+                <a:schemeClr val="tx1">
+                  <a:lumMod val="50000"/>
+                </a:schemeClr>
+              </a:solidFill>
+              <a:latin typeface="Arial"/>
+              <a:ea typeface="Verdana" pitchFamily="34" charset="0"/>
+              <a:cs typeface="Arial"/>
+            </a:endParaRPr>
+          </a:p>
+        </p:txBody>
+      </p:sp>
+      <p:cxnSp>
+        <p:nvCxnSpPr>
+          <p:cNvPr id="197" name="Straight Arrow Connector 196"/>
+          <p:cNvCxnSpPr>
+            <a:stCxn id="17" idx="3"/>
+            <a:endCxn id="78" idx="1"/>
+          </p:cNvCxnSpPr>
+          <p:nvPr/>
+        </p:nvCxnSpPr>
+        <p:spPr>
+          <a:xfrm flipV="1">
+            <a:off x="3763080" y="953472"/>
+            <a:ext cx="1148403" cy="1070683"/>
+          </a:xfrm>
+          <a:prstGeom prst="straightConnector1">
+            <a:avLst/>
+          </a:prstGeom>
+          <a:ln>
+            <a:solidFill>
+              <a:schemeClr val="tx1"/>
+            </a:solidFill>
+            <a:headEnd type="triangle"/>
+            <a:tailEnd type="none"/>
+          </a:ln>
+        </p:spPr>
+        <p:style>
+          <a:lnRef idx="2">
+            <a:schemeClr val="accent1"/>
+          </a:lnRef>
+          <a:fillRef idx="0">
+            <a:schemeClr val="accent1"/>
+          </a:fillRef>
+          <a:effectRef idx="1">
+            <a:schemeClr val="accent1"/>
+          </a:effectRef>
+          <a:fontRef idx="minor">
+            <a:schemeClr val="tx1"/>
+          </a:fontRef>
+        </p:style>
+      </p:cxnSp>
+      <p:pic>
+        <p:nvPicPr>
+          <p:cNvPr id="133" name="Picture 132"/>
+          <p:cNvPicPr>
+            <a:picLocks noChangeAspect="1"/>
+          </p:cNvPicPr>
+          <p:nvPr/>
+        </p:nvPicPr>
+        <p:blipFill>
+          <a:blip r:embed="rId16">
+            <a:extLst>
+              <a:ext uri="{28A0092B-C50C-407E-A947-70E740481C1C}">
+                <a14:useLocalDpi xmlns:a14="http://schemas.microsoft.com/office/drawing/2010/main" val="0"/>
+              </a:ext>
+            </a:extLst>
+          </a:blip>
+          <a:stretch>
+            <a:fillRect/>
+          </a:stretch>
+        </p:blipFill>
+        <p:spPr>
+          <a:xfrm>
+            <a:off x="8121493" y="390831"/>
+            <a:ext cx="428088" cy="516224"/>
+          </a:xfrm>
+          <a:prstGeom prst="rect">
+            <a:avLst/>
+          </a:prstGeom>
+        </p:spPr>
+      </p:pic>
+      <p:pic>
+        <p:nvPicPr>
+          <p:cNvPr id="225" name="Picture 224"/>
+          <p:cNvPicPr>
+            <a:picLocks noChangeAspect="1"/>
+          </p:cNvPicPr>
+          <p:nvPr/>
+        </p:nvPicPr>
+        <p:blipFill>
+          <a:blip r:embed="rId8">
+            <a:extLst>
+              <a:ext uri="{28A0092B-C50C-407E-A947-70E740481C1C}">
+                <a14:useLocalDpi xmlns:a14="http://schemas.microsoft.com/office/drawing/2010/main" val="0"/>
+              </a:ext>
+            </a:extLst>
+          </a:blip>
+          <a:stretch>
+            <a:fillRect/>
+          </a:stretch>
+        </p:blipFill>
+        <p:spPr>
+          <a:xfrm>
+            <a:off x="8185044" y="3691998"/>
+            <a:ext cx="461155" cy="479240"/>
+          </a:xfrm>
+          <a:prstGeom prst="rect">
+            <a:avLst/>
+          </a:prstGeom>
+        </p:spPr>
+      </p:pic>
+      <p:cxnSp>
+        <p:nvCxnSpPr>
+          <p:cNvPr id="232" name="Elbow Connector 231"/>
+          <p:cNvCxnSpPr>
+            <a:stCxn id="11" idx="2"/>
+            <a:endCxn id="225" idx="2"/>
+          </p:cNvCxnSpPr>
+          <p:nvPr/>
+        </p:nvCxnSpPr>
+        <p:spPr>
+          <a:xfrm rot="16200000" flipH="1">
+            <a:off x="6512844" y="2268460"/>
+            <a:ext cx="387296" cy="3418259"/>
+          </a:xfrm>
+          <a:prstGeom prst="bentConnector3">
+            <a:avLst>
+              <a:gd name="adj1" fmla="val 159025"/>
+            </a:avLst>
+          </a:prstGeom>
+          <a:ln>
+            <a:tailEnd type="triangle"/>
+          </a:ln>
+        </p:spPr>
+        <p:style>
+          <a:lnRef idx="2">
+            <a:schemeClr val="dk1"/>
+          </a:lnRef>
+          <a:fillRef idx="0">
+            <a:schemeClr val="dk1"/>
+          </a:fillRef>
+          <a:effectRef idx="1">
+            <a:schemeClr val="dk1"/>
+          </a:effectRef>
+          <a:fontRef idx="minor">
+            <a:schemeClr val="tx1"/>
+          </a:fontRef>
+        </p:style>
+      </p:cxnSp>
+      <p:cxnSp>
+        <p:nvCxnSpPr>
+          <p:cNvPr id="240" name="Elbow Connector 239"/>
+          <p:cNvCxnSpPr>
+            <a:stCxn id="60" idx="1"/>
+            <a:endCxn id="11" idx="3"/>
+          </p:cNvCxnSpPr>
+          <p:nvPr/>
+        </p:nvCxnSpPr>
+        <p:spPr>
+          <a:xfrm rot="10800000">
+            <a:off x="5202133" y="3553020"/>
+            <a:ext cx="1015933" cy="343405"/>
+          </a:xfrm>
+          <a:prstGeom prst="bentConnector3">
+            <a:avLst>
+              <a:gd name="adj1" fmla="val 50000"/>
+            </a:avLst>
+          </a:prstGeom>
+          <a:ln>
+            <a:tailEnd type="triangle"/>
+          </a:ln>
+        </p:spPr>
+        <p:style>
+          <a:lnRef idx="2">
+            <a:schemeClr val="dk1"/>
+          </a:lnRef>
+          <a:fillRef idx="0">
+            <a:schemeClr val="dk1"/>
+          </a:fillRef>
+          <a:effectRef idx="1">
+            <a:schemeClr val="dk1"/>
+          </a:effectRef>
+          <a:fontRef idx="minor">
+            <a:schemeClr val="tx1"/>
+          </a:fontRef>
+        </p:style>
+      </p:cxnSp>
+      <p:cxnSp>
+        <p:nvCxnSpPr>
+          <p:cNvPr id="249" name="Elbow Connector 248"/>
+          <p:cNvCxnSpPr>
+            <a:stCxn id="9" idx="3"/>
+            <a:endCxn id="11" idx="0"/>
+          </p:cNvCxnSpPr>
+          <p:nvPr/>
+        </p:nvCxnSpPr>
+        <p:spPr>
+          <a:xfrm>
+            <a:off x="3770168" y="2911955"/>
+            <a:ext cx="1227195" cy="410140"/>
+          </a:xfrm>
+          <a:prstGeom prst="bentConnector2">
+            <a:avLst/>
+          </a:prstGeom>
+          <a:ln>
+            <a:tailEnd type="triangle"/>
+          </a:ln>
+        </p:spPr>
+        <p:style>
+          <a:lnRef idx="2">
+            <a:schemeClr val="dk1"/>
+          </a:lnRef>
+          <a:fillRef idx="0">
+            <a:schemeClr val="dk1"/>
+          </a:fillRef>
+          <a:effectRef idx="1">
+            <a:schemeClr val="dk1"/>
+          </a:effectRef>
+          <a:fontRef idx="minor">
+            <a:schemeClr val="tx1"/>
+          </a:fontRef>
+        </p:style>
+      </p:cxnSp>
+      <p:pic>
+        <p:nvPicPr>
+          <p:cNvPr id="252" name="Picture 251"/>
+          <p:cNvPicPr>
+            <a:picLocks noChangeAspect="1"/>
+          </p:cNvPicPr>
+          <p:nvPr/>
+        </p:nvPicPr>
+        <p:blipFill>
+          <a:blip r:embed="rId8">
+            <a:extLst>
+              <a:ext uri="{28A0092B-C50C-407E-A947-70E740481C1C}">
+                <a14:useLocalDpi xmlns:a14="http://schemas.microsoft.com/office/drawing/2010/main" val="0"/>
+              </a:ext>
+            </a:extLst>
+          </a:blip>
+          <a:stretch>
+            <a:fillRect/>
+          </a:stretch>
+        </p:blipFill>
+        <p:spPr>
+          <a:xfrm>
+            <a:off x="3294201" y="4054333"/>
+            <a:ext cx="461155" cy="479240"/>
+          </a:xfrm>
+          <a:prstGeom prst="rect">
+            <a:avLst/>
+          </a:prstGeom>
+        </p:spPr>
+      </p:pic>
+      <p:cxnSp>
+        <p:nvCxnSpPr>
+          <p:cNvPr id="253" name="Elbow Connector 252"/>
+          <p:cNvCxnSpPr>
+            <a:stCxn id="252" idx="0"/>
+            <a:endCxn id="11" idx="1"/>
+          </p:cNvCxnSpPr>
+          <p:nvPr/>
+        </p:nvCxnSpPr>
+        <p:spPr>
+          <a:xfrm rot="5400000" flipH="1" flipV="1">
+            <a:off x="3908029" y="3169769"/>
+            <a:ext cx="501314" cy="1267815"/>
+          </a:xfrm>
+          <a:prstGeom prst="bentConnector2">
+            <a:avLst/>
+          </a:prstGeom>
+          <a:ln>
+            <a:headEnd type="triangle"/>
+            <a:tailEnd type="none"/>
+          </a:ln>
+        </p:spPr>
+        <p:style>
+          <a:lnRef idx="2">
+            <a:schemeClr val="dk1"/>
+          </a:lnRef>
+          <a:fillRef idx="0">
+            <a:schemeClr val="dk1"/>
+          </a:fillRef>
+          <a:effectRef idx="1">
+            <a:schemeClr val="dk1"/>
+          </a:effectRef>
+          <a:fontRef idx="minor">
+            <a:schemeClr val="tx1"/>
+          </a:fontRef>
+        </p:style>
+      </p:cxnSp>
+      <p:cxnSp>
+        <p:nvCxnSpPr>
+          <p:cNvPr id="257" name="Straight Arrow Connector 256"/>
+          <p:cNvCxnSpPr>
+            <a:stCxn id="252" idx="1"/>
+            <a:endCxn id="55" idx="3"/>
+          </p:cNvCxnSpPr>
+          <p:nvPr/>
+        </p:nvCxnSpPr>
+        <p:spPr>
+          <a:xfrm flipH="1">
+            <a:off x="2278808" y="4293953"/>
+            <a:ext cx="1015393" cy="5875"/>
+          </a:xfrm>
+          <a:prstGeom prst="straightConnector1">
+            <a:avLst/>
+          </a:prstGeom>
+          <a:ln>
+            <a:solidFill>
+              <a:schemeClr val="tx1"/>
+            </a:solidFill>
+            <a:tailEnd type="triangle"/>
+          </a:ln>
+        </p:spPr>
+        <p:style>
+          <a:lnRef idx="2">
+            <a:schemeClr val="accent1"/>
+          </a:lnRef>
+          <a:fillRef idx="0">
+            <a:schemeClr val="accent1"/>
+          </a:fillRef>
+          <a:effectRef idx="1">
+            <a:schemeClr val="accent1"/>
+          </a:effectRef>
+          <a:fontRef idx="minor">
+            <a:schemeClr val="tx1"/>
+          </a:fontRef>
+        </p:style>
+      </p:cxnSp>
+      <p:pic>
+        <p:nvPicPr>
+          <p:cNvPr id="187" name="Picture 6" descr="mage result for carpark gate icon png"/>
+          <p:cNvPicPr>
+            <a:picLocks noChangeAspect="1" noChangeArrowheads="1"/>
+          </p:cNvPicPr>
+          <p:nvPr/>
+        </p:nvPicPr>
+        <p:blipFill>
+          <a:blip r:embed="rId17">
+            <a:extLst>
+              <a:ext uri="{28A0092B-C50C-407E-A947-70E740481C1C}">
+                <a14:useLocalDpi xmlns:a14="http://schemas.microsoft.com/office/drawing/2010/main" val="0"/>
+              </a:ext>
+            </a:extLst>
+          </a:blip>
+          <a:srcRect/>
+          <a:stretch>
+            <a:fillRect/>
+          </a:stretch>
+        </p:blipFill>
+        <p:spPr bwMode="auto">
+          <a:xfrm>
+            <a:off x="1829184" y="521171"/>
+            <a:ext cx="1285203" cy="963903"/>
+          </a:xfrm>
+          <a:prstGeom prst="rect">
+            <a:avLst/>
+          </a:prstGeom>
+          <a:noFill/>
+          <a:extLst>
+            <a:ext uri="{909E8E84-426E-40DD-AFC4-6F175D3DCCD1}">
+              <a14:hiddenFill xmlns:a14="http://schemas.microsoft.com/office/drawing/2010/main">
+                <a:solidFill>
+                  <a:srgbClr val="FFFFFF"/>
+                </a:solidFill>
+              </a14:hiddenFill>
+            </a:ext>
+          </a:extLst>
+        </p:spPr>
+      </p:pic>
+      <p:sp>
+        <p:nvSpPr>
+          <p:cNvPr id="265" name="TextBox 34"/>
+          <p:cNvSpPr txBox="1">
+            <a:spLocks noChangeArrowheads="1"/>
+          </p:cNvSpPr>
+          <p:nvPr/>
+        </p:nvSpPr>
+        <p:spPr bwMode="auto">
+          <a:xfrm>
+            <a:off x="6607970" y="3761750"/>
+            <a:ext cx="956071" cy="253916"/>
+          </a:xfrm>
+          <a:prstGeom prst="rect">
+            <a:avLst/>
+          </a:prstGeom>
+          <a:noFill/>
+          <a:ln w="9525">
+            <a:noFill/>
+            <a:miter lim="800000"/>
+            <a:headEnd/>
+            <a:tailEnd/>
+          </a:ln>
+        </p:spPr>
+        <p:txBody>
+          <a:bodyPr wrap="square" anchor="ctr" anchorCtr="0">
+            <a:spAutoFit/>
+          </a:bodyPr>
+          <a:lstStyle/>
+          <a:p>
+            <a:pPr algn="ctr"/>
+            <a:r>
+              <a:rPr lang="en-US" sz="1050" dirty="0" smtClean="0">
+                <a:solidFill>
+                  <a:schemeClr val="tx1">
+                    <a:lumMod val="50000"/>
+                  </a:schemeClr>
+                </a:solidFill>
+                <a:latin typeface="Arial"/>
+                <a:ea typeface="Verdana" pitchFamily="34" charset="0"/>
+                <a:cs typeface="Arial"/>
+              </a:rPr>
+              <a:t>Booking</a:t>
+            </a:r>
+            <a:endParaRPr lang="en-US" sz="1050" dirty="0">
+              <a:solidFill>
+                <a:schemeClr val="tx1">
+                  <a:lumMod val="50000"/>
+                </a:schemeClr>
+              </a:solidFill>
+              <a:latin typeface="Arial"/>
+              <a:ea typeface="Verdana" pitchFamily="34" charset="0"/>
+              <a:cs typeface="Arial"/>
+            </a:endParaRPr>
+          </a:p>
+        </p:txBody>
+      </p:sp>
+      <p:sp>
+        <p:nvSpPr>
+          <p:cNvPr id="266" name="TextBox 34"/>
+          <p:cNvSpPr txBox="1">
+            <a:spLocks noChangeArrowheads="1"/>
+          </p:cNvSpPr>
+          <p:nvPr/>
+        </p:nvSpPr>
+        <p:spPr bwMode="auto">
+          <a:xfrm>
+            <a:off x="8173255" y="4130190"/>
+            <a:ext cx="956071" cy="253916"/>
+          </a:xfrm>
+          <a:prstGeom prst="rect">
+            <a:avLst/>
+          </a:prstGeom>
+          <a:noFill/>
+          <a:ln w="9525">
+            <a:noFill/>
+            <a:miter lim="800000"/>
+            <a:headEnd/>
+            <a:tailEnd/>
+          </a:ln>
+        </p:spPr>
+        <p:txBody>
+          <a:bodyPr wrap="square" anchor="ctr" anchorCtr="0">
+            <a:spAutoFit/>
+          </a:bodyPr>
+          <a:lstStyle/>
+          <a:p>
+            <a:pPr algn="ctr"/>
+            <a:r>
+              <a:rPr lang="en-US" sz="1050" dirty="0" smtClean="0">
+                <a:solidFill>
+                  <a:schemeClr val="tx1">
+                    <a:lumMod val="50000"/>
+                  </a:schemeClr>
+                </a:solidFill>
+                <a:latin typeface="Arial"/>
+                <a:ea typeface="Verdana" pitchFamily="34" charset="0"/>
+                <a:cs typeface="Arial"/>
+              </a:rPr>
+              <a:t>SMS</a:t>
+            </a:r>
+            <a:endParaRPr lang="en-US" sz="1050" dirty="0">
+              <a:solidFill>
+                <a:schemeClr val="tx1">
+                  <a:lumMod val="50000"/>
+                </a:schemeClr>
+              </a:solidFill>
+              <a:latin typeface="Arial"/>
+              <a:ea typeface="Verdana" pitchFamily="34" charset="0"/>
+              <a:cs typeface="Arial"/>
+            </a:endParaRPr>
+          </a:p>
+        </p:txBody>
+      </p:sp>
+      <p:sp>
+        <p:nvSpPr>
+          <p:cNvPr id="267" name="TextBox 34"/>
+          <p:cNvSpPr txBox="1">
+            <a:spLocks noChangeArrowheads="1"/>
+          </p:cNvSpPr>
+          <p:nvPr/>
+        </p:nvSpPr>
+        <p:spPr bwMode="auto">
+          <a:xfrm>
+            <a:off x="3061555" y="3117025"/>
+            <a:ext cx="956071" cy="253916"/>
+          </a:xfrm>
+          <a:prstGeom prst="rect">
+            <a:avLst/>
+          </a:prstGeom>
+          <a:noFill/>
+          <a:ln w="9525">
+            <a:noFill/>
+            <a:miter lim="800000"/>
+            <a:headEnd/>
+            <a:tailEnd/>
+          </a:ln>
+        </p:spPr>
+        <p:txBody>
+          <a:bodyPr wrap="square" anchor="ctr" anchorCtr="0">
+            <a:spAutoFit/>
+          </a:bodyPr>
+          <a:lstStyle/>
+          <a:p>
+            <a:pPr algn="ctr"/>
+            <a:r>
+              <a:rPr lang="en-US" sz="1050" dirty="0" smtClean="0">
+                <a:solidFill>
+                  <a:schemeClr val="tx1">
+                    <a:lumMod val="50000"/>
+                  </a:schemeClr>
+                </a:solidFill>
+                <a:latin typeface="Arial"/>
+                <a:ea typeface="Verdana" pitchFamily="34" charset="0"/>
+                <a:cs typeface="Arial"/>
+              </a:rPr>
+              <a:t>OCR</a:t>
+            </a:r>
+            <a:endParaRPr lang="en-US" sz="1050" dirty="0">
+              <a:solidFill>
+                <a:schemeClr val="tx1">
+                  <a:lumMod val="50000"/>
+                </a:schemeClr>
+              </a:solidFill>
+              <a:latin typeface="Arial"/>
+              <a:ea typeface="Verdana" pitchFamily="34" charset="0"/>
+              <a:cs typeface="Arial"/>
+            </a:endParaRPr>
+          </a:p>
+        </p:txBody>
+      </p:sp>
+      <p:sp>
+        <p:nvSpPr>
+          <p:cNvPr id="268" name="TextBox 34"/>
+          <p:cNvSpPr txBox="1">
+            <a:spLocks noChangeArrowheads="1"/>
+          </p:cNvSpPr>
+          <p:nvPr/>
+        </p:nvSpPr>
+        <p:spPr bwMode="auto">
+          <a:xfrm>
+            <a:off x="3703758" y="4005413"/>
+            <a:ext cx="956071" cy="577081"/>
+          </a:xfrm>
+          <a:prstGeom prst="rect">
+            <a:avLst/>
+          </a:prstGeom>
+          <a:noFill/>
+          <a:ln w="9525">
+            <a:noFill/>
+            <a:miter lim="800000"/>
+            <a:headEnd/>
+            <a:tailEnd/>
+          </a:ln>
+        </p:spPr>
+        <p:txBody>
+          <a:bodyPr wrap="square" anchor="ctr" anchorCtr="0">
+            <a:spAutoFit/>
+          </a:bodyPr>
+          <a:lstStyle/>
+          <a:p>
+            <a:pPr algn="ctr"/>
+            <a:r>
+              <a:rPr lang="en-US" sz="1050" dirty="0" smtClean="0">
+                <a:solidFill>
+                  <a:schemeClr val="tx1">
+                    <a:lumMod val="50000"/>
+                  </a:schemeClr>
+                </a:solidFill>
+                <a:latin typeface="Arial"/>
+                <a:ea typeface="Verdana" pitchFamily="34" charset="0"/>
+                <a:cs typeface="Arial"/>
+              </a:rPr>
+              <a:t>Welcome message + open gate</a:t>
+            </a:r>
+            <a:endParaRPr lang="en-US" sz="1050" dirty="0">
+              <a:solidFill>
+                <a:schemeClr val="tx1">
+                  <a:lumMod val="50000"/>
+                </a:schemeClr>
+              </a:solidFill>
+              <a:latin typeface="Arial"/>
+              <a:ea typeface="Verdana" pitchFamily="34" charset="0"/>
+              <a:cs typeface="Arial"/>
+            </a:endParaRPr>
+          </a:p>
+        </p:txBody>
+      </p:sp>
+      <p:cxnSp>
+        <p:nvCxnSpPr>
+          <p:cNvPr id="269" name="Elbow Connector 268"/>
+          <p:cNvCxnSpPr/>
+          <p:nvPr/>
+        </p:nvCxnSpPr>
+        <p:spPr>
+          <a:xfrm rot="16200000" flipH="1">
+            <a:off x="1463577" y="2302689"/>
+            <a:ext cx="2849808" cy="811437"/>
+          </a:xfrm>
+          <a:prstGeom prst="bentConnector3">
+            <a:avLst>
+              <a:gd name="adj1" fmla="val 100298"/>
+            </a:avLst>
+          </a:prstGeom>
+          <a:ln>
+            <a:headEnd type="triangle"/>
+            <a:tailEnd type="none"/>
+          </a:ln>
+        </p:spPr>
+        <p:style>
+          <a:lnRef idx="2">
+            <a:schemeClr val="dk1"/>
+          </a:lnRef>
+          <a:fillRef idx="0">
+            <a:schemeClr val="dk1"/>
+          </a:fillRef>
+          <a:effectRef idx="1">
+            <a:schemeClr val="dk1"/>
+          </a:effectRef>
+          <a:fontRef idx="minor">
+            <a:schemeClr val="tx1"/>
+          </a:fontRef>
+        </p:style>
+      </p:cxnSp>
+      <p:sp>
+        <p:nvSpPr>
+          <p:cNvPr id="275" name="TextBox 34"/>
+          <p:cNvSpPr txBox="1">
+            <a:spLocks noChangeArrowheads="1"/>
+          </p:cNvSpPr>
+          <p:nvPr/>
+        </p:nvSpPr>
+        <p:spPr bwMode="auto">
+          <a:xfrm>
+            <a:off x="1536078" y="3813474"/>
+            <a:ext cx="956071" cy="253916"/>
+          </a:xfrm>
+          <a:prstGeom prst="rect">
+            <a:avLst/>
+          </a:prstGeom>
+          <a:noFill/>
+          <a:ln w="9525">
+            <a:noFill/>
+            <a:miter lim="800000"/>
+            <a:headEnd/>
+            <a:tailEnd/>
+          </a:ln>
+        </p:spPr>
+        <p:txBody>
+          <a:bodyPr wrap="square" anchor="ctr" anchorCtr="0">
+            <a:spAutoFit/>
+          </a:bodyPr>
+          <a:lstStyle/>
+          <a:p>
+            <a:pPr algn="ctr"/>
+            <a:r>
+              <a:rPr lang="en-US" sz="1050" dirty="0" smtClean="0">
+                <a:solidFill>
+                  <a:schemeClr val="tx1">
+                    <a:lumMod val="50000"/>
+                  </a:schemeClr>
+                </a:solidFill>
+                <a:latin typeface="Arial"/>
+                <a:ea typeface="Verdana" pitchFamily="34" charset="0"/>
+                <a:cs typeface="Arial"/>
+              </a:rPr>
+              <a:t>Polly</a:t>
+            </a:r>
+            <a:endParaRPr lang="en-US" sz="1050" dirty="0">
+              <a:solidFill>
+                <a:schemeClr val="tx1">
+                  <a:lumMod val="50000"/>
+                </a:schemeClr>
+              </a:solidFill>
+              <a:latin typeface="Arial"/>
+              <a:ea typeface="Verdana" pitchFamily="34" charset="0"/>
+              <a:cs typeface="Arial"/>
+            </a:endParaRPr>
+          </a:p>
+        </p:txBody>
+      </p:sp>
+      <p:sp>
+        <p:nvSpPr>
+          <p:cNvPr id="276" name="TextBox 34"/>
+          <p:cNvSpPr txBox="1">
+            <a:spLocks noChangeArrowheads="1"/>
+          </p:cNvSpPr>
+          <p:nvPr/>
+        </p:nvSpPr>
+        <p:spPr bwMode="auto">
+          <a:xfrm>
+            <a:off x="4849253" y="3761542"/>
+            <a:ext cx="956071" cy="415498"/>
+          </a:xfrm>
+          <a:prstGeom prst="rect">
+            <a:avLst/>
+          </a:prstGeom>
+          <a:noFill/>
+          <a:ln w="9525">
+            <a:noFill/>
+            <a:miter lim="800000"/>
+            <a:headEnd/>
+            <a:tailEnd/>
+          </a:ln>
+        </p:spPr>
+        <p:txBody>
+          <a:bodyPr wrap="square" anchor="ctr" anchorCtr="0">
+            <a:spAutoFit/>
+          </a:bodyPr>
+          <a:lstStyle/>
+          <a:p>
+            <a:pPr algn="ctr"/>
+            <a:r>
+              <a:rPr lang="en-US" sz="1050" dirty="0" smtClean="0">
+                <a:solidFill>
+                  <a:schemeClr val="tx1">
+                    <a:lumMod val="50000"/>
+                  </a:schemeClr>
+                </a:solidFill>
+                <a:latin typeface="Arial"/>
+                <a:ea typeface="Verdana" pitchFamily="34" charset="0"/>
+                <a:cs typeface="Arial"/>
+              </a:rPr>
+              <a:t>Amazon DynamoDB</a:t>
+            </a:r>
+            <a:endParaRPr lang="en-US" sz="1050" dirty="0">
+              <a:solidFill>
+                <a:schemeClr val="tx1">
+                  <a:lumMod val="50000"/>
+                </a:schemeClr>
+              </a:solidFill>
+              <a:latin typeface="Arial"/>
+              <a:ea typeface="Verdana" pitchFamily="34" charset="0"/>
+              <a:cs typeface="Arial"/>
+            </a:endParaRPr>
+          </a:p>
+        </p:txBody>
+      </p:sp>
+      <p:sp>
+        <p:nvSpPr>
+          <p:cNvPr id="277" name="TextBox 34"/>
+          <p:cNvSpPr txBox="1">
+            <a:spLocks noChangeArrowheads="1"/>
+          </p:cNvSpPr>
+          <p:nvPr/>
+        </p:nvSpPr>
+        <p:spPr bwMode="auto">
+          <a:xfrm>
+            <a:off x="7976919" y="1943077"/>
+            <a:ext cx="956071" cy="253916"/>
+          </a:xfrm>
+          <a:prstGeom prst="rect">
+            <a:avLst/>
+          </a:prstGeom>
+          <a:noFill/>
+          <a:ln w="9525">
+            <a:noFill/>
+            <a:miter lim="800000"/>
+            <a:headEnd/>
+            <a:tailEnd/>
+          </a:ln>
+        </p:spPr>
+        <p:txBody>
+          <a:bodyPr wrap="square" anchor="ctr" anchorCtr="0">
+            <a:spAutoFit/>
+          </a:bodyPr>
+          <a:lstStyle/>
+          <a:p>
+            <a:pPr algn="ctr"/>
+            <a:r>
+              <a:rPr lang="en-US" sz="1050" dirty="0" smtClean="0">
+                <a:solidFill>
+                  <a:schemeClr val="tx1">
+                    <a:lumMod val="50000"/>
+                  </a:schemeClr>
+                </a:solidFill>
+                <a:latin typeface="Arial"/>
+                <a:ea typeface="Verdana" pitchFamily="34" charset="0"/>
+                <a:cs typeface="Arial"/>
+              </a:rPr>
+              <a:t>SNS</a:t>
+            </a:r>
+            <a:endParaRPr lang="en-US" sz="1050" dirty="0">
+              <a:solidFill>
+                <a:schemeClr val="tx1">
+                  <a:lumMod val="50000"/>
+                </a:schemeClr>
+              </a:solidFill>
+              <a:latin typeface="Arial"/>
+              <a:ea typeface="Verdana" pitchFamily="34" charset="0"/>
+              <a:cs typeface="Arial"/>
+            </a:endParaRPr>
+          </a:p>
+        </p:txBody>
+      </p:sp>
+      <p:sp>
+        <p:nvSpPr>
+          <p:cNvPr id="280" name="TextBox 34"/>
+          <p:cNvSpPr txBox="1">
+            <a:spLocks noChangeArrowheads="1"/>
+          </p:cNvSpPr>
+          <p:nvPr/>
+        </p:nvSpPr>
+        <p:spPr bwMode="auto">
+          <a:xfrm>
+            <a:off x="992423" y="876071"/>
+            <a:ext cx="956071" cy="415498"/>
+          </a:xfrm>
+          <a:prstGeom prst="rect">
+            <a:avLst/>
+          </a:prstGeom>
+          <a:noFill/>
+          <a:ln w="9525">
+            <a:noFill/>
+            <a:miter lim="800000"/>
+            <a:headEnd/>
+            <a:tailEnd/>
+          </a:ln>
+        </p:spPr>
+        <p:txBody>
+          <a:bodyPr wrap="square" anchor="ctr" anchorCtr="0">
+            <a:spAutoFit/>
+          </a:bodyPr>
+          <a:lstStyle/>
+          <a:p>
+            <a:pPr algn="ctr"/>
+            <a:r>
+              <a:rPr lang="en-US" sz="1050" dirty="0" smtClean="0">
+                <a:solidFill>
+                  <a:schemeClr val="tx1">
+                    <a:lumMod val="50000"/>
+                  </a:schemeClr>
+                </a:solidFill>
+                <a:latin typeface="Arial"/>
+                <a:ea typeface="Verdana" pitchFamily="34" charset="0"/>
+                <a:cs typeface="Arial"/>
+              </a:rPr>
+              <a:t>Open the gate</a:t>
+            </a:r>
+            <a:endParaRPr lang="en-US" sz="1050" dirty="0">
+              <a:solidFill>
+                <a:schemeClr val="tx1">
+                  <a:lumMod val="50000"/>
+                </a:schemeClr>
+              </a:solidFill>
+              <a:latin typeface="Arial"/>
+              <a:ea typeface="Verdana" pitchFamily="34" charset="0"/>
+              <a:cs typeface="Arial"/>
+            </a:endParaRPr>
+          </a:p>
+        </p:txBody>
+      </p:sp>
+      <p:sp>
+        <p:nvSpPr>
+          <p:cNvPr id="281" name="TextBox 34"/>
+          <p:cNvSpPr txBox="1">
+            <a:spLocks noChangeArrowheads="1"/>
+          </p:cNvSpPr>
+          <p:nvPr/>
+        </p:nvSpPr>
+        <p:spPr bwMode="auto">
+          <a:xfrm>
+            <a:off x="3807807" y="511834"/>
+            <a:ext cx="956071" cy="415498"/>
+          </a:xfrm>
+          <a:prstGeom prst="rect">
+            <a:avLst/>
+          </a:prstGeom>
+          <a:noFill/>
+          <a:ln w="9525">
+            <a:noFill/>
+            <a:miter lim="800000"/>
+            <a:headEnd/>
+            <a:tailEnd/>
+          </a:ln>
+        </p:spPr>
+        <p:txBody>
+          <a:bodyPr wrap="square" anchor="ctr" anchorCtr="0">
+            <a:spAutoFit/>
+          </a:bodyPr>
+          <a:lstStyle/>
+          <a:p>
+            <a:pPr algn="ctr"/>
+            <a:r>
+              <a:rPr lang="en-US" sz="1050" dirty="0" smtClean="0">
+                <a:solidFill>
+                  <a:schemeClr val="tx1">
+                    <a:lumMod val="50000"/>
+                  </a:schemeClr>
+                </a:solidFill>
+                <a:latin typeface="Arial"/>
+                <a:ea typeface="Verdana" pitchFamily="34" charset="0"/>
+                <a:cs typeface="Arial"/>
+              </a:rPr>
+              <a:t>License Plate Picture</a:t>
+            </a:r>
+            <a:endParaRPr lang="en-US" sz="1050" dirty="0">
+              <a:solidFill>
+                <a:schemeClr val="tx1">
+                  <a:lumMod val="50000"/>
+                </a:schemeClr>
+              </a:solidFill>
+              <a:latin typeface="Arial"/>
+              <a:ea typeface="Verdana" pitchFamily="34" charset="0"/>
+              <a:cs typeface="Arial"/>
+            </a:endParaRPr>
+          </a:p>
+        </p:txBody>
+      </p:sp>
+      <p:sp>
+        <p:nvSpPr>
+          <p:cNvPr id="282" name="TextBox 34"/>
+          <p:cNvSpPr txBox="1">
+            <a:spLocks noChangeArrowheads="1"/>
+          </p:cNvSpPr>
+          <p:nvPr/>
+        </p:nvSpPr>
+        <p:spPr bwMode="auto">
+          <a:xfrm>
+            <a:off x="7814286" y="882897"/>
+            <a:ext cx="1069265" cy="415498"/>
+          </a:xfrm>
+          <a:prstGeom prst="rect">
+            <a:avLst/>
+          </a:prstGeom>
+          <a:noFill/>
+          <a:ln w="9525">
+            <a:noFill/>
+            <a:miter lim="800000"/>
+            <a:headEnd/>
+            <a:tailEnd/>
+          </a:ln>
+        </p:spPr>
+        <p:txBody>
+          <a:bodyPr wrap="square" anchor="ctr" anchorCtr="0">
+            <a:spAutoFit/>
+          </a:bodyPr>
+          <a:lstStyle/>
+          <a:p>
+            <a:pPr algn="ctr"/>
+            <a:r>
+              <a:rPr lang="en-US" sz="1050" dirty="0" smtClean="0">
+                <a:solidFill>
+                  <a:schemeClr val="tx1">
+                    <a:lumMod val="50000"/>
+                  </a:schemeClr>
+                </a:solidFill>
+                <a:latin typeface="Arial"/>
+                <a:ea typeface="Verdana" pitchFamily="34" charset="0"/>
+                <a:cs typeface="Arial"/>
+              </a:rPr>
+              <a:t>Amazon </a:t>
+            </a:r>
+            <a:r>
+              <a:rPr lang="en-US" sz="1050" dirty="0" err="1" smtClean="0">
+                <a:solidFill>
+                  <a:schemeClr val="tx1">
+                    <a:lumMod val="50000"/>
+                  </a:schemeClr>
+                </a:solidFill>
+                <a:latin typeface="Arial"/>
+                <a:ea typeface="Verdana" pitchFamily="34" charset="0"/>
+                <a:cs typeface="Arial"/>
+              </a:rPr>
+              <a:t>Cognito</a:t>
+            </a:r>
+            <a:endParaRPr lang="en-US" sz="1050" dirty="0">
+              <a:solidFill>
+                <a:schemeClr val="tx1">
+                  <a:lumMod val="50000"/>
+                </a:schemeClr>
+              </a:solidFill>
+              <a:latin typeface="Arial"/>
+              <a:ea typeface="Verdana" pitchFamily="34" charset="0"/>
+              <a:cs typeface="Arial"/>
+            </a:endParaRPr>
+          </a:p>
+        </p:txBody>
+      </p:sp>
     </p:spTree>
     <p:extLst>
       <p:ext uri="{BB962C8B-B14F-4D97-AF65-F5344CB8AC3E}">
-        <p14:creationId xmlns:p14="http://schemas.microsoft.com/office/powerpoint/2010/main" val="1346097259"/>
+        <p14:creationId xmlns:p14="http://schemas.microsoft.com/office/powerpoint/2010/main" val="867489710"/>
       </p:ext>
     </p:extLst>
   </p:cSld>
@@ -13692,7 +16296,7 @@
                             </p:stCondLst>
                             <p:childTnLst>
                               <p:par>
-                                <p:cTn id="5" presetID="22" presetClass="entr" presetSubtype="2" fill="hold" grpId="0" nodeType="clickEffect">
+                                <p:cTn id="5" presetID="3" presetClass="entr" presetSubtype="10" fill="hold" nodeType="clickEffect">
                                   <p:stCondLst>
                                     <p:cond delay="0"/>
                                   </p:stCondLst>
@@ -13705,7 +16309,7 @@
                                           </p:stCondLst>
                                         </p:cTn>
                                         <p:tgtEl>
-                                          <p:spTgt spid="6"/>
+                                          <p:spTgt spid="12"/>
                                         </p:tgtEl>
                                         <p:attrNameLst>
                                           <p:attrName>style.visibility</p:attrName>
@@ -13715,11 +16319,81 @@
                                         <p:strVal val="visible"/>
                                       </p:to>
                                     </p:set>
-                                    <p:animEffect transition="in" filter="wipe(right)">
+                                    <p:animEffect transition="in" filter="blinds(horizontal)">
                                       <p:cBhvr>
                                         <p:cTn id="7" dur="500"/>
                                         <p:tgtEl>
-                                          <p:spTgt spid="6"/>
+                                          <p:spTgt spid="12"/>
+                                        </p:tgtEl>
+                                      </p:cBhvr>
+                                    </p:animEffect>
+                                  </p:childTnLst>
+                                </p:cTn>
+                              </p:par>
+                              <p:par>
+                                <p:cTn id="8" presetID="3" presetClass="entr" presetSubtype="10" fill="hold" grpId="0" nodeType="withEffect">
+                                  <p:stCondLst>
+                                    <p:cond delay="0"/>
+                                  </p:stCondLst>
+                                  <p:childTnLst>
+                                    <p:set>
+                                      <p:cBhvr>
+                                        <p:cTn id="9" dur="1" fill="hold">
+                                          <p:stCondLst>
+                                            <p:cond delay="0"/>
+                                          </p:stCondLst>
+                                        </p:cTn>
+                                        <p:tgtEl>
+                                          <p:spTgt spid="32"/>
+                                        </p:tgtEl>
+                                        <p:attrNameLst>
+                                          <p:attrName>style.visibility</p:attrName>
+                                        </p:attrNameLst>
+                                      </p:cBhvr>
+                                      <p:to>
+                                        <p:strVal val="visible"/>
+                                      </p:to>
+                                    </p:set>
+                                    <p:animEffect transition="in" filter="blinds(horizontal)">
+                                      <p:cBhvr>
+                                        <p:cTn id="10" dur="500"/>
+                                        <p:tgtEl>
+                                          <p:spTgt spid="32"/>
+                                        </p:tgtEl>
+                                      </p:cBhvr>
+                                    </p:animEffect>
+                                  </p:childTnLst>
+                                </p:cTn>
+                              </p:par>
+                              <p:par>
+                                <p:cTn id="11" presetID="3" presetClass="entr" presetSubtype="10" fill="hold" nodeType="withEffect">
+                                  <p:stCondLst>
+                                    <p:cond delay="0"/>
+                                  </p:stCondLst>
+                                  <p:childTnLst>
+                                    <p:set>
+                                      <p:cBhvr>
+                                        <p:cTn id="12" dur="1" fill="hold">
+                                          <p:stCondLst>
+                                            <p:cond delay="0"/>
+                                          </p:stCondLst>
+                                        </p:cTn>
+                                        <p:tgtEl>
+                                          <p:spTgt spid="21"/>
+                                        </p:tgtEl>
+                                        <p:attrNameLst>
+                                          <p:attrName>style.visibility</p:attrName>
+                                        </p:attrNameLst>
+                                      </p:cBhvr>
+                                      <p:to>
+                                        <p:strVal val="visible"/>
+                                      </p:to>
+                                    </p:set>
+                                    <p:animEffect transition="in" filter="blinds(horizontal)">
+                                      <p:cBhvr>
+                                        <p:cTn id="13" dur="500"/>
+                                        <p:tgtEl>
+                                          <p:spTgt spid="21"/>
                                         </p:tgtEl>
                                       </p:cBhvr>
                                     </p:animEffect>
@@ -13733,32 +16407,32 @@
                     </p:cTn>
                   </p:par>
                   <p:par>
-                    <p:cTn id="8" fill="hold">
+                    <p:cTn id="14" fill="hold">
                       <p:stCondLst>
                         <p:cond delay="indefinite"/>
                       </p:stCondLst>
                       <p:childTnLst>
                         <p:par>
-                          <p:cTn id="9" fill="hold">
+                          <p:cTn id="15" fill="hold">
                             <p:stCondLst>
                               <p:cond delay="0"/>
                             </p:stCondLst>
                             <p:childTnLst>
                               <p:par>
-                                <p:cTn id="10" presetID="22" presetClass="entr" presetSubtype="8" fill="hold" grpId="0" nodeType="clickEffect">
+                                <p:cTn id="16" presetID="3" presetClass="entr" presetSubtype="10" fill="hold" nodeType="clickEffect">
                                   <p:stCondLst>
                                     <p:cond delay="0"/>
                                   </p:stCondLst>
                                   <p:childTnLst>
                                     <p:set>
                                       <p:cBhvr>
-                                        <p:cTn id="11" dur="1" fill="hold">
+                                        <p:cTn id="17" dur="1" fill="hold">
                                           <p:stCondLst>
                                             <p:cond delay="0"/>
                                           </p:stCondLst>
                                         </p:cTn>
                                         <p:tgtEl>
-                                          <p:spTgt spid="5"/>
+                                          <p:spTgt spid="99"/>
                                         </p:tgtEl>
                                         <p:attrNameLst>
                                           <p:attrName>style.visibility</p:attrName>
@@ -13768,11 +16442,11 @@
                                         <p:strVal val="visible"/>
                                       </p:to>
                                     </p:set>
-                                    <p:animEffect transition="in" filter="wipe(left)">
-                                      <p:cBhvr>
-                                        <p:cTn id="12" dur="500"/>
-                                        <p:tgtEl>
-                                          <p:spTgt spid="5"/>
+                                    <p:animEffect transition="in" filter="blinds(horizontal)">
+                                      <p:cBhvr>
+                                        <p:cTn id="18" dur="500"/>
+                                        <p:tgtEl>
+                                          <p:spTgt spid="99"/>
                                         </p:tgtEl>
                                       </p:cBhvr>
                                     </p:animEffect>
@@ -13780,55 +16454,20 @@
                                 </p:cTn>
                               </p:par>
                               <p:par>
-                                <p:cTn id="13" presetID="1" presetClass="mediacall" presetSubtype="0" fill="hold" nodeType="withEffect">
-                                  <p:stCondLst>
-                                    <p:cond delay="0"/>
-                                  </p:stCondLst>
-                                  <p:childTnLst>
-                                    <p:cmd type="call" cmd="playFrom(0.0)">
-                                      <p:cBhvr>
-                                        <p:cTn id="14" dur="6347" fill="hold"/>
-                                        <p:tgtEl>
-                                          <p:spTgt spid="12"/>
-                                        </p:tgtEl>
-                                      </p:cBhvr>
-                                    </p:cmd>
-                                  </p:childTnLst>
-                                </p:cTn>
-                              </p:par>
-                            </p:childTnLst>
-                          </p:cTn>
-                        </p:par>
-                      </p:childTnLst>
-                    </p:cTn>
-                  </p:par>
-                  <p:par>
-                    <p:cTn id="15" fill="hold">
-                      <p:stCondLst>
-                        <p:cond delay="indefinite"/>
-                      </p:stCondLst>
-                      <p:childTnLst>
-                        <p:par>
-                          <p:cTn id="16" fill="hold">
-                            <p:stCondLst>
-                              <p:cond delay="0"/>
-                            </p:stCondLst>
-                            <p:childTnLst>
-                              <p:par>
-                                <p:cTn id="17" presetID="22" presetClass="entr" presetSubtype="2" fill="hold" grpId="0" nodeType="clickEffect">
+                                <p:cTn id="19" presetID="3" presetClass="entr" presetSubtype="10" fill="hold" grpId="0" nodeType="withEffect">
                                   <p:stCondLst>
                                     <p:cond delay="0"/>
                                   </p:stCondLst>
                                   <p:childTnLst>
                                     <p:set>
                                       <p:cBhvr>
-                                        <p:cTn id="18" dur="1" fill="hold">
+                                        <p:cTn id="20" dur="1" fill="hold">
                                           <p:stCondLst>
                                             <p:cond delay="0"/>
                                           </p:stCondLst>
                                         </p:cTn>
                                         <p:tgtEl>
-                                          <p:spTgt spid="7"/>
+                                          <p:spTgt spid="110"/>
                                         </p:tgtEl>
                                         <p:attrNameLst>
                                           <p:attrName>style.visibility</p:attrName>
@@ -13838,11 +16477,326 @@
                                         <p:strVal val="visible"/>
                                       </p:to>
                                     </p:set>
-                                    <p:animEffect transition="in" filter="wipe(right)">
-                                      <p:cBhvr>
-                                        <p:cTn id="19" dur="500"/>
-                                        <p:tgtEl>
-                                          <p:spTgt spid="7"/>
+                                    <p:animEffect transition="in" filter="blinds(horizontal)">
+                                      <p:cBhvr>
+                                        <p:cTn id="21" dur="500"/>
+                                        <p:tgtEl>
+                                          <p:spTgt spid="110"/>
+                                        </p:tgtEl>
+                                      </p:cBhvr>
+                                    </p:animEffect>
+                                  </p:childTnLst>
+                                </p:cTn>
+                              </p:par>
+                              <p:par>
+                                <p:cTn id="22" presetID="3" presetClass="entr" presetSubtype="10" fill="hold" nodeType="withEffect">
+                                  <p:stCondLst>
+                                    <p:cond delay="0"/>
+                                  </p:stCondLst>
+                                  <p:childTnLst>
+                                    <p:set>
+                                      <p:cBhvr>
+                                        <p:cTn id="23" dur="1" fill="hold">
+                                          <p:stCondLst>
+                                            <p:cond delay="0"/>
+                                          </p:stCondLst>
+                                        </p:cTn>
+                                        <p:tgtEl>
+                                          <p:spTgt spid="79"/>
+                                        </p:tgtEl>
+                                        <p:attrNameLst>
+                                          <p:attrName>style.visibility</p:attrName>
+                                        </p:attrNameLst>
+                                      </p:cBhvr>
+                                      <p:to>
+                                        <p:strVal val="visible"/>
+                                      </p:to>
+                                    </p:set>
+                                    <p:animEffect transition="in" filter="blinds(horizontal)">
+                                      <p:cBhvr>
+                                        <p:cTn id="24" dur="500"/>
+                                        <p:tgtEl>
+                                          <p:spTgt spid="79"/>
+                                        </p:tgtEl>
+                                      </p:cBhvr>
+                                    </p:animEffect>
+                                  </p:childTnLst>
+                                </p:cTn>
+                              </p:par>
+                              <p:par>
+                                <p:cTn id="25" presetID="3" presetClass="entr" presetSubtype="10" fill="hold" nodeType="withEffect">
+                                  <p:stCondLst>
+                                    <p:cond delay="0"/>
+                                  </p:stCondLst>
+                                  <p:childTnLst>
+                                    <p:set>
+                                      <p:cBhvr>
+                                        <p:cTn id="26" dur="1" fill="hold">
+                                          <p:stCondLst>
+                                            <p:cond delay="0"/>
+                                          </p:stCondLst>
+                                        </p:cTn>
+                                        <p:tgtEl>
+                                          <p:spTgt spid="119"/>
+                                        </p:tgtEl>
+                                        <p:attrNameLst>
+                                          <p:attrName>style.visibility</p:attrName>
+                                        </p:attrNameLst>
+                                      </p:cBhvr>
+                                      <p:to>
+                                        <p:strVal val="visible"/>
+                                      </p:to>
+                                    </p:set>
+                                    <p:animEffect transition="in" filter="blinds(horizontal)">
+                                      <p:cBhvr>
+                                        <p:cTn id="27" dur="500"/>
+                                        <p:tgtEl>
+                                          <p:spTgt spid="119"/>
+                                        </p:tgtEl>
+                                      </p:cBhvr>
+                                    </p:animEffect>
+                                  </p:childTnLst>
+                                </p:cTn>
+                              </p:par>
+                              <p:par>
+                                <p:cTn id="28" presetID="3" presetClass="entr" presetSubtype="10" fill="hold" nodeType="withEffect">
+                                  <p:stCondLst>
+                                    <p:cond delay="0"/>
+                                  </p:stCondLst>
+                                  <p:childTnLst>
+                                    <p:set>
+                                      <p:cBhvr>
+                                        <p:cTn id="29" dur="1" fill="hold">
+                                          <p:stCondLst>
+                                            <p:cond delay="0"/>
+                                          </p:stCondLst>
+                                        </p:cTn>
+                                        <p:tgtEl>
+                                          <p:spTgt spid="78"/>
+                                        </p:tgtEl>
+                                        <p:attrNameLst>
+                                          <p:attrName>style.visibility</p:attrName>
+                                        </p:attrNameLst>
+                                      </p:cBhvr>
+                                      <p:to>
+                                        <p:strVal val="visible"/>
+                                      </p:to>
+                                    </p:set>
+                                    <p:animEffect transition="in" filter="blinds(horizontal)">
+                                      <p:cBhvr>
+                                        <p:cTn id="30" dur="500"/>
+                                        <p:tgtEl>
+                                          <p:spTgt spid="78"/>
+                                        </p:tgtEl>
+                                      </p:cBhvr>
+                                    </p:animEffect>
+                                  </p:childTnLst>
+                                </p:cTn>
+                              </p:par>
+                              <p:par>
+                                <p:cTn id="31" presetID="3" presetClass="entr" presetSubtype="10" fill="hold" grpId="0" nodeType="withEffect">
+                                  <p:stCondLst>
+                                    <p:cond delay="0"/>
+                                  </p:stCondLst>
+                                  <p:childTnLst>
+                                    <p:set>
+                                      <p:cBhvr>
+                                        <p:cTn id="32" dur="1" fill="hold">
+                                          <p:stCondLst>
+                                            <p:cond delay="0"/>
+                                          </p:stCondLst>
+                                        </p:cTn>
+                                        <p:tgtEl>
+                                          <p:spTgt spid="108"/>
+                                        </p:tgtEl>
+                                        <p:attrNameLst>
+                                          <p:attrName>style.visibility</p:attrName>
+                                        </p:attrNameLst>
+                                      </p:cBhvr>
+                                      <p:to>
+                                        <p:strVal val="visible"/>
+                                      </p:to>
+                                    </p:set>
+                                    <p:animEffect transition="in" filter="blinds(horizontal)">
+                                      <p:cBhvr>
+                                        <p:cTn id="33" dur="500"/>
+                                        <p:tgtEl>
+                                          <p:spTgt spid="108"/>
+                                        </p:tgtEl>
+                                      </p:cBhvr>
+                                    </p:animEffect>
+                                  </p:childTnLst>
+                                </p:cTn>
+                              </p:par>
+                              <p:par>
+                                <p:cTn id="34" presetID="3" presetClass="entr" presetSubtype="10" fill="hold" nodeType="withEffect">
+                                  <p:stCondLst>
+                                    <p:cond delay="0"/>
+                                  </p:stCondLst>
+                                  <p:childTnLst>
+                                    <p:set>
+                                      <p:cBhvr>
+                                        <p:cTn id="35" dur="1" fill="hold">
+                                          <p:stCondLst>
+                                            <p:cond delay="0"/>
+                                          </p:stCondLst>
+                                        </p:cTn>
+                                        <p:tgtEl>
+                                          <p:spTgt spid="197"/>
+                                        </p:tgtEl>
+                                        <p:attrNameLst>
+                                          <p:attrName>style.visibility</p:attrName>
+                                        </p:attrNameLst>
+                                      </p:cBhvr>
+                                      <p:to>
+                                        <p:strVal val="visible"/>
+                                      </p:to>
+                                    </p:set>
+                                    <p:animEffect transition="in" filter="blinds(horizontal)">
+                                      <p:cBhvr>
+                                        <p:cTn id="36" dur="500"/>
+                                        <p:tgtEl>
+                                          <p:spTgt spid="197"/>
+                                        </p:tgtEl>
+                                      </p:cBhvr>
+                                    </p:animEffect>
+                                  </p:childTnLst>
+                                </p:cTn>
+                              </p:par>
+                              <p:par>
+                                <p:cTn id="37" presetID="3" presetClass="entr" presetSubtype="10" fill="hold" nodeType="withEffect">
+                                  <p:stCondLst>
+                                    <p:cond delay="0"/>
+                                  </p:stCondLst>
+                                  <p:childTnLst>
+                                    <p:set>
+                                      <p:cBhvr>
+                                        <p:cTn id="38" dur="1" fill="hold">
+                                          <p:stCondLst>
+                                            <p:cond delay="0"/>
+                                          </p:stCondLst>
+                                        </p:cTn>
+                                        <p:tgtEl>
+                                          <p:spTgt spid="17"/>
+                                        </p:tgtEl>
+                                        <p:attrNameLst>
+                                          <p:attrName>style.visibility</p:attrName>
+                                        </p:attrNameLst>
+                                      </p:cBhvr>
+                                      <p:to>
+                                        <p:strVal val="visible"/>
+                                      </p:to>
+                                    </p:set>
+                                    <p:animEffect transition="in" filter="blinds(horizontal)">
+                                      <p:cBhvr>
+                                        <p:cTn id="39" dur="500"/>
+                                        <p:tgtEl>
+                                          <p:spTgt spid="17"/>
+                                        </p:tgtEl>
+                                      </p:cBhvr>
+                                    </p:animEffect>
+                                  </p:childTnLst>
+                                </p:cTn>
+                              </p:par>
+                              <p:par>
+                                <p:cTn id="40" presetID="3" presetClass="entr" presetSubtype="10" fill="hold" grpId="0" nodeType="withEffect">
+                                  <p:stCondLst>
+                                    <p:cond delay="0"/>
+                                  </p:stCondLst>
+                                  <p:childTnLst>
+                                    <p:set>
+                                      <p:cBhvr>
+                                        <p:cTn id="41" dur="1" fill="hold">
+                                          <p:stCondLst>
+                                            <p:cond delay="0"/>
+                                          </p:stCondLst>
+                                        </p:cTn>
+                                        <p:tgtEl>
+                                          <p:spTgt spid="196"/>
+                                        </p:tgtEl>
+                                        <p:attrNameLst>
+                                          <p:attrName>style.visibility</p:attrName>
+                                        </p:attrNameLst>
+                                      </p:cBhvr>
+                                      <p:to>
+                                        <p:strVal val="visible"/>
+                                      </p:to>
+                                    </p:set>
+                                    <p:animEffect transition="in" filter="blinds(horizontal)">
+                                      <p:cBhvr>
+                                        <p:cTn id="42" dur="500"/>
+                                        <p:tgtEl>
+                                          <p:spTgt spid="196"/>
+                                        </p:tgtEl>
+                                      </p:cBhvr>
+                                    </p:animEffect>
+                                  </p:childTnLst>
+                                </p:cTn>
+                              </p:par>
+                              <p:par>
+                                <p:cTn id="43" presetID="3" presetClass="entr" presetSubtype="10" fill="hold" nodeType="withEffect">
+                                  <p:stCondLst>
+                                    <p:cond delay="0"/>
+                                  </p:stCondLst>
+                                  <p:childTnLst>
+                                    <p:set>
+                                      <p:cBhvr>
+                                        <p:cTn id="44" dur="1" fill="hold">
+                                          <p:stCondLst>
+                                            <p:cond delay="0"/>
+                                          </p:stCondLst>
+                                        </p:cTn>
+                                        <p:tgtEl>
+                                          <p:spTgt spid="133"/>
+                                        </p:tgtEl>
+                                        <p:attrNameLst>
+                                          <p:attrName>style.visibility</p:attrName>
+                                        </p:attrNameLst>
+                                      </p:cBhvr>
+                                      <p:to>
+                                        <p:strVal val="visible"/>
+                                      </p:to>
+                                    </p:set>
+                                    <p:animEffect transition="in" filter="blinds(horizontal)">
+                                      <p:cBhvr>
+                                        <p:cTn id="45" dur="500"/>
+                                        <p:tgtEl>
+                                          <p:spTgt spid="133"/>
+                                        </p:tgtEl>
+                                      </p:cBhvr>
+                                    </p:animEffect>
+                                  </p:childTnLst>
+                                </p:cTn>
+                              </p:par>
+                              <p:par>
+                                <p:cTn id="46" presetID="3" presetClass="entr" presetSubtype="10" fill="hold" grpId="0" nodeType="withEffect">
+                                  <p:stCondLst>
+                                    <p:cond delay="0"/>
+                                  </p:stCondLst>
+                                  <p:childTnLst>
+                                    <p:set>
+                                      <p:cBhvr>
+                                        <p:cTn id="47" dur="1" fill="hold">
+                                          <p:stCondLst>
+                                            <p:cond delay="0"/>
+                                          </p:stCondLst>
+                                        </p:cTn>
+                                        <p:tgtEl>
+                                          <p:spTgt spid="282"/>
+                                        </p:tgtEl>
+                                        <p:attrNameLst>
+                                          <p:attrName>style.visibility</p:attrName>
+                                        </p:attrNameLst>
+                                      </p:cBhvr>
+                                      <p:to>
+                                        <p:strVal val="visible"/>
+                                      </p:to>
+                                    </p:set>
+                                    <p:animEffect transition="in" filter="blinds(horizontal)">
+                                      <p:cBhvr>
+                                        <p:cTn id="48" dur="500"/>
+                                        <p:tgtEl>
+                                          <p:spTgt spid="282"/>
                                         </p:tgtEl>
                                       </p:cBhvr>
                                     </p:animEffect>
@@ -13856,32 +16810,32 @@
                     </p:cTn>
                   </p:par>
                   <p:par>
-                    <p:cTn id="20" fill="hold">
+                    <p:cTn id="49" fill="hold">
                       <p:stCondLst>
                         <p:cond delay="indefinite"/>
                       </p:stCondLst>
                       <p:childTnLst>
                         <p:par>
-                          <p:cTn id="21" fill="hold">
+                          <p:cTn id="50" fill="hold">
                             <p:stCondLst>
                               <p:cond delay="0"/>
                             </p:stCondLst>
                             <p:childTnLst>
                               <p:par>
-                                <p:cTn id="22" presetID="22" presetClass="entr" presetSubtype="8" fill="hold" grpId="1" nodeType="clickEffect">
+                                <p:cTn id="51" presetID="3" presetClass="entr" presetSubtype="10" fill="hold" nodeType="clickEffect">
                                   <p:stCondLst>
                                     <p:cond delay="0"/>
                                   </p:stCondLst>
                                   <p:childTnLst>
                                     <p:set>
                                       <p:cBhvr>
-                                        <p:cTn id="23" dur="1" fill="hold">
+                                        <p:cTn id="52" dur="1" fill="hold">
                                           <p:stCondLst>
                                             <p:cond delay="0"/>
                                           </p:stCondLst>
                                         </p:cTn>
                                         <p:tgtEl>
-                                          <p:spTgt spid="9"/>
+                                          <p:spTgt spid="111"/>
                                         </p:tgtEl>
                                         <p:attrNameLst>
                                           <p:attrName>style.visibility</p:attrName>
@@ -13891,11 +16845,11 @@
                                         <p:strVal val="visible"/>
                                       </p:to>
                                     </p:set>
-                                    <p:animEffect transition="in" filter="wipe(left)">
-                                      <p:cBhvr>
-                                        <p:cTn id="24" dur="500"/>
-                                        <p:tgtEl>
-                                          <p:spTgt spid="9"/>
+                                    <p:animEffect transition="in" filter="blinds(horizontal)">
+                                      <p:cBhvr>
+                                        <p:cTn id="53" dur="500"/>
+                                        <p:tgtEl>
+                                          <p:spTgt spid="111"/>
                                         </p:tgtEl>
                                       </p:cBhvr>
                                     </p:animEffect>
@@ -13903,19 +16857,1140 @@
                                 </p:cTn>
                               </p:par>
                               <p:par>
-                                <p:cTn id="25" presetID="1" presetClass="mediacall" presetSubtype="0" fill="hold" nodeType="withEffect">
+                                <p:cTn id="54" presetID="3" presetClass="entr" presetSubtype="10" fill="hold" grpId="0" nodeType="withEffect">
                                   <p:stCondLst>
                                     <p:cond delay="0"/>
                                   </p:stCondLst>
                                   <p:childTnLst>
-                                    <p:cmd type="call" cmd="playFrom(0.0)">
-                                      <p:cBhvr>
-                                        <p:cTn id="26" dur="7575" fill="hold"/>
-                                        <p:tgtEl>
-                                          <p:spTgt spid="10"/>
-                                        </p:tgtEl>
-                                      </p:cBhvr>
-                                    </p:cmd>
+                                    <p:set>
+                                      <p:cBhvr>
+                                        <p:cTn id="55" dur="1" fill="hold">
+                                          <p:stCondLst>
+                                            <p:cond delay="0"/>
+                                          </p:stCondLst>
+                                        </p:cTn>
+                                        <p:tgtEl>
+                                          <p:spTgt spid="109"/>
+                                        </p:tgtEl>
+                                        <p:attrNameLst>
+                                          <p:attrName>style.visibility</p:attrName>
+                                        </p:attrNameLst>
+                                      </p:cBhvr>
+                                      <p:to>
+                                        <p:strVal val="visible"/>
+                                      </p:to>
+                                    </p:set>
+                                    <p:animEffect transition="in" filter="blinds(horizontal)">
+                                      <p:cBhvr>
+                                        <p:cTn id="56" dur="500"/>
+                                        <p:tgtEl>
+                                          <p:spTgt spid="109"/>
+                                        </p:tgtEl>
+                                      </p:cBhvr>
+                                    </p:animEffect>
+                                  </p:childTnLst>
+                                </p:cTn>
+                              </p:par>
+                              <p:par>
+                                <p:cTn id="57" presetID="3" presetClass="entr" presetSubtype="10" fill="hold" nodeType="withEffect">
+                                  <p:stCondLst>
+                                    <p:cond delay="0"/>
+                                  </p:stCondLst>
+                                  <p:childTnLst>
+                                    <p:set>
+                                      <p:cBhvr>
+                                        <p:cTn id="58" dur="1" fill="hold">
+                                          <p:stCondLst>
+                                            <p:cond delay="0"/>
+                                          </p:stCondLst>
+                                        </p:cTn>
+                                        <p:tgtEl>
+                                          <p:spTgt spid="81"/>
+                                        </p:tgtEl>
+                                        <p:attrNameLst>
+                                          <p:attrName>style.visibility</p:attrName>
+                                        </p:attrNameLst>
+                                      </p:cBhvr>
+                                      <p:to>
+                                        <p:strVal val="visible"/>
+                                      </p:to>
+                                    </p:set>
+                                    <p:animEffect transition="in" filter="blinds(horizontal)">
+                                      <p:cBhvr>
+                                        <p:cTn id="59" dur="500"/>
+                                        <p:tgtEl>
+                                          <p:spTgt spid="81"/>
+                                        </p:tgtEl>
+                                      </p:cBhvr>
+                                    </p:animEffect>
+                                  </p:childTnLst>
+                                </p:cTn>
+                              </p:par>
+                              <p:par>
+                                <p:cTn id="60" presetID="3" presetClass="entr" presetSubtype="10" fill="hold" nodeType="withEffect">
+                                  <p:stCondLst>
+                                    <p:cond delay="0"/>
+                                  </p:stCondLst>
+                                  <p:childTnLst>
+                                    <p:set>
+                                      <p:cBhvr>
+                                        <p:cTn id="61" dur="1" fill="hold">
+                                          <p:stCondLst>
+                                            <p:cond delay="0"/>
+                                          </p:stCondLst>
+                                        </p:cTn>
+                                        <p:tgtEl>
+                                          <p:spTgt spid="188"/>
+                                        </p:tgtEl>
+                                        <p:attrNameLst>
+                                          <p:attrName>style.visibility</p:attrName>
+                                        </p:attrNameLst>
+                                      </p:cBhvr>
+                                      <p:to>
+                                        <p:strVal val="visible"/>
+                                      </p:to>
+                                    </p:set>
+                                    <p:animEffect transition="in" filter="blinds(horizontal)">
+                                      <p:cBhvr>
+                                        <p:cTn id="62" dur="500"/>
+                                        <p:tgtEl>
+                                          <p:spTgt spid="188"/>
+                                        </p:tgtEl>
+                                      </p:cBhvr>
+                                    </p:animEffect>
+                                  </p:childTnLst>
+                                </p:cTn>
+                              </p:par>
+                              <p:par>
+                                <p:cTn id="63" presetID="3" presetClass="entr" presetSubtype="10" fill="hold" nodeType="withEffect">
+                                  <p:stCondLst>
+                                    <p:cond delay="0"/>
+                                  </p:stCondLst>
+                                  <p:childTnLst>
+                                    <p:set>
+                                      <p:cBhvr>
+                                        <p:cTn id="64" dur="1" fill="hold">
+                                          <p:stCondLst>
+                                            <p:cond delay="0"/>
+                                          </p:stCondLst>
+                                        </p:cTn>
+                                        <p:tgtEl>
+                                          <p:spTgt spid="60"/>
+                                        </p:tgtEl>
+                                        <p:attrNameLst>
+                                          <p:attrName>style.visibility</p:attrName>
+                                        </p:attrNameLst>
+                                      </p:cBhvr>
+                                      <p:to>
+                                        <p:strVal val="visible"/>
+                                      </p:to>
+                                    </p:set>
+                                    <p:animEffect transition="in" filter="blinds(horizontal)">
+                                      <p:cBhvr>
+                                        <p:cTn id="65" dur="500"/>
+                                        <p:tgtEl>
+                                          <p:spTgt spid="60"/>
+                                        </p:tgtEl>
+                                      </p:cBhvr>
+                                    </p:animEffect>
+                                  </p:childTnLst>
+                                </p:cTn>
+                              </p:par>
+                              <p:par>
+                                <p:cTn id="66" presetID="3" presetClass="entr" presetSubtype="10" fill="hold" grpId="0" nodeType="withEffect">
+                                  <p:stCondLst>
+                                    <p:cond delay="0"/>
+                                  </p:stCondLst>
+                                  <p:childTnLst>
+                                    <p:set>
+                                      <p:cBhvr>
+                                        <p:cTn id="67" dur="1" fill="hold">
+                                          <p:stCondLst>
+                                            <p:cond delay="0"/>
+                                          </p:stCondLst>
+                                        </p:cTn>
+                                        <p:tgtEl>
+                                          <p:spTgt spid="265"/>
+                                        </p:tgtEl>
+                                        <p:attrNameLst>
+                                          <p:attrName>style.visibility</p:attrName>
+                                        </p:attrNameLst>
+                                      </p:cBhvr>
+                                      <p:to>
+                                        <p:strVal val="visible"/>
+                                      </p:to>
+                                    </p:set>
+                                    <p:animEffect transition="in" filter="blinds(horizontal)">
+                                      <p:cBhvr>
+                                        <p:cTn id="68" dur="500"/>
+                                        <p:tgtEl>
+                                          <p:spTgt spid="265"/>
+                                        </p:tgtEl>
+                                      </p:cBhvr>
+                                    </p:animEffect>
+                                  </p:childTnLst>
+                                </p:cTn>
+                              </p:par>
+                              <p:par>
+                                <p:cTn id="69" presetID="3" presetClass="entr" presetSubtype="10" fill="hold" nodeType="withEffect">
+                                  <p:stCondLst>
+                                    <p:cond delay="0"/>
+                                  </p:stCondLst>
+                                  <p:childTnLst>
+                                    <p:set>
+                                      <p:cBhvr>
+                                        <p:cTn id="70" dur="1" fill="hold">
+                                          <p:stCondLst>
+                                            <p:cond delay="0"/>
+                                          </p:stCondLst>
+                                        </p:cTn>
+                                        <p:tgtEl>
+                                          <p:spTgt spid="240"/>
+                                        </p:tgtEl>
+                                        <p:attrNameLst>
+                                          <p:attrName>style.visibility</p:attrName>
+                                        </p:attrNameLst>
+                                      </p:cBhvr>
+                                      <p:to>
+                                        <p:strVal val="visible"/>
+                                      </p:to>
+                                    </p:set>
+                                    <p:animEffect transition="in" filter="blinds(horizontal)">
+                                      <p:cBhvr>
+                                        <p:cTn id="71" dur="500"/>
+                                        <p:tgtEl>
+                                          <p:spTgt spid="240"/>
+                                        </p:tgtEl>
+                                      </p:cBhvr>
+                                    </p:animEffect>
+                                  </p:childTnLst>
+                                </p:cTn>
+                              </p:par>
+                              <p:par>
+                                <p:cTn id="72" presetID="3" presetClass="entr" presetSubtype="10" fill="hold" grpId="0" nodeType="withEffect">
+                                  <p:stCondLst>
+                                    <p:cond delay="0"/>
+                                  </p:stCondLst>
+                                  <p:childTnLst>
+                                    <p:set>
+                                      <p:cBhvr>
+                                        <p:cTn id="73" dur="1" fill="hold">
+                                          <p:stCondLst>
+                                            <p:cond delay="0"/>
+                                          </p:stCondLst>
+                                        </p:cTn>
+                                        <p:tgtEl>
+                                          <p:spTgt spid="276"/>
+                                        </p:tgtEl>
+                                        <p:attrNameLst>
+                                          <p:attrName>style.visibility</p:attrName>
+                                        </p:attrNameLst>
+                                      </p:cBhvr>
+                                      <p:to>
+                                        <p:strVal val="visible"/>
+                                      </p:to>
+                                    </p:set>
+                                    <p:animEffect transition="in" filter="blinds(horizontal)">
+                                      <p:cBhvr>
+                                        <p:cTn id="74" dur="500"/>
+                                        <p:tgtEl>
+                                          <p:spTgt spid="276"/>
+                                        </p:tgtEl>
+                                      </p:cBhvr>
+                                    </p:animEffect>
+                                  </p:childTnLst>
+                                </p:cTn>
+                              </p:par>
+                              <p:par>
+                                <p:cTn id="75" presetID="3" presetClass="entr" presetSubtype="10" fill="hold" nodeType="withEffect">
+                                  <p:stCondLst>
+                                    <p:cond delay="0"/>
+                                  </p:stCondLst>
+                                  <p:childTnLst>
+                                    <p:set>
+                                      <p:cBhvr>
+                                        <p:cTn id="76" dur="1" fill="hold">
+                                          <p:stCondLst>
+                                            <p:cond delay="0"/>
+                                          </p:stCondLst>
+                                        </p:cTn>
+                                        <p:tgtEl>
+                                          <p:spTgt spid="11"/>
+                                        </p:tgtEl>
+                                        <p:attrNameLst>
+                                          <p:attrName>style.visibility</p:attrName>
+                                        </p:attrNameLst>
+                                      </p:cBhvr>
+                                      <p:to>
+                                        <p:strVal val="visible"/>
+                                      </p:to>
+                                    </p:set>
+                                    <p:animEffect transition="in" filter="blinds(horizontal)">
+                                      <p:cBhvr>
+                                        <p:cTn id="77" dur="500"/>
+                                        <p:tgtEl>
+                                          <p:spTgt spid="11"/>
+                                        </p:tgtEl>
+                                      </p:cBhvr>
+                                    </p:animEffect>
+                                  </p:childTnLst>
+                                </p:cTn>
+                              </p:par>
+                              <p:par>
+                                <p:cTn id="78" presetID="3" presetClass="entr" presetSubtype="10" fill="hold" nodeType="withEffect">
+                                  <p:stCondLst>
+                                    <p:cond delay="0"/>
+                                  </p:stCondLst>
+                                  <p:childTnLst>
+                                    <p:set>
+                                      <p:cBhvr>
+                                        <p:cTn id="79" dur="1" fill="hold">
+                                          <p:stCondLst>
+                                            <p:cond delay="0"/>
+                                          </p:stCondLst>
+                                        </p:cTn>
+                                        <p:tgtEl>
+                                          <p:spTgt spid="232"/>
+                                        </p:tgtEl>
+                                        <p:attrNameLst>
+                                          <p:attrName>style.visibility</p:attrName>
+                                        </p:attrNameLst>
+                                      </p:cBhvr>
+                                      <p:to>
+                                        <p:strVal val="visible"/>
+                                      </p:to>
+                                    </p:set>
+                                    <p:animEffect transition="in" filter="blinds(horizontal)">
+                                      <p:cBhvr>
+                                        <p:cTn id="80" dur="500"/>
+                                        <p:tgtEl>
+                                          <p:spTgt spid="232"/>
+                                        </p:tgtEl>
+                                      </p:cBhvr>
+                                    </p:animEffect>
+                                  </p:childTnLst>
+                                </p:cTn>
+                              </p:par>
+                              <p:par>
+                                <p:cTn id="81" presetID="3" presetClass="entr" presetSubtype="10" fill="hold" nodeType="withEffect">
+                                  <p:stCondLst>
+                                    <p:cond delay="0"/>
+                                  </p:stCondLst>
+                                  <p:childTnLst>
+                                    <p:set>
+                                      <p:cBhvr>
+                                        <p:cTn id="82" dur="1" fill="hold">
+                                          <p:stCondLst>
+                                            <p:cond delay="0"/>
+                                          </p:stCondLst>
+                                        </p:cTn>
+                                        <p:tgtEl>
+                                          <p:spTgt spid="225"/>
+                                        </p:tgtEl>
+                                        <p:attrNameLst>
+                                          <p:attrName>style.visibility</p:attrName>
+                                        </p:attrNameLst>
+                                      </p:cBhvr>
+                                      <p:to>
+                                        <p:strVal val="visible"/>
+                                      </p:to>
+                                    </p:set>
+                                    <p:animEffect transition="in" filter="blinds(horizontal)">
+                                      <p:cBhvr>
+                                        <p:cTn id="83" dur="500"/>
+                                        <p:tgtEl>
+                                          <p:spTgt spid="225"/>
+                                        </p:tgtEl>
+                                      </p:cBhvr>
+                                    </p:animEffect>
+                                  </p:childTnLst>
+                                </p:cTn>
+                              </p:par>
+                              <p:par>
+                                <p:cTn id="84" presetID="3" presetClass="entr" presetSubtype="10" fill="hold" grpId="0" nodeType="withEffect">
+                                  <p:stCondLst>
+                                    <p:cond delay="0"/>
+                                  </p:stCondLst>
+                                  <p:childTnLst>
+                                    <p:set>
+                                      <p:cBhvr>
+                                        <p:cTn id="85" dur="1" fill="hold">
+                                          <p:stCondLst>
+                                            <p:cond delay="0"/>
+                                          </p:stCondLst>
+                                        </p:cTn>
+                                        <p:tgtEl>
+                                          <p:spTgt spid="266"/>
+                                        </p:tgtEl>
+                                        <p:attrNameLst>
+                                          <p:attrName>style.visibility</p:attrName>
+                                        </p:attrNameLst>
+                                      </p:cBhvr>
+                                      <p:to>
+                                        <p:strVal val="visible"/>
+                                      </p:to>
+                                    </p:set>
+                                    <p:animEffect transition="in" filter="blinds(horizontal)">
+                                      <p:cBhvr>
+                                        <p:cTn id="86" dur="500"/>
+                                        <p:tgtEl>
+                                          <p:spTgt spid="266"/>
+                                        </p:tgtEl>
+                                      </p:cBhvr>
+                                    </p:animEffect>
+                                  </p:childTnLst>
+                                </p:cTn>
+                              </p:par>
+                              <p:par>
+                                <p:cTn id="87" presetID="3" presetClass="entr" presetSubtype="10" fill="hold" nodeType="withEffect">
+                                  <p:stCondLst>
+                                    <p:cond delay="0"/>
+                                  </p:stCondLst>
+                                  <p:childTnLst>
+                                    <p:set>
+                                      <p:cBhvr>
+                                        <p:cTn id="88" dur="1" fill="hold">
+                                          <p:stCondLst>
+                                            <p:cond delay="0"/>
+                                          </p:stCondLst>
+                                        </p:cTn>
+                                        <p:tgtEl>
+                                          <p:spTgt spid="101"/>
+                                        </p:tgtEl>
+                                        <p:attrNameLst>
+                                          <p:attrName>style.visibility</p:attrName>
+                                        </p:attrNameLst>
+                                      </p:cBhvr>
+                                      <p:to>
+                                        <p:strVal val="visible"/>
+                                      </p:to>
+                                    </p:set>
+                                    <p:animEffect transition="in" filter="blinds(horizontal)">
+                                      <p:cBhvr>
+                                        <p:cTn id="89" dur="500"/>
+                                        <p:tgtEl>
+                                          <p:spTgt spid="101"/>
+                                        </p:tgtEl>
+                                      </p:cBhvr>
+                                    </p:animEffect>
+                                  </p:childTnLst>
+                                </p:cTn>
+                              </p:par>
+                              <p:par>
+                                <p:cTn id="90" presetID="3" presetClass="entr" presetSubtype="10" fill="hold" nodeType="withEffect">
+                                  <p:stCondLst>
+                                    <p:cond delay="0"/>
+                                  </p:stCondLst>
+                                  <p:childTnLst>
+                                    <p:set>
+                                      <p:cBhvr>
+                                        <p:cTn id="91" dur="1" fill="hold">
+                                          <p:stCondLst>
+                                            <p:cond delay="0"/>
+                                          </p:stCondLst>
+                                        </p:cTn>
+                                        <p:tgtEl>
+                                          <p:spTgt spid="20"/>
+                                        </p:tgtEl>
+                                        <p:attrNameLst>
+                                          <p:attrName>style.visibility</p:attrName>
+                                        </p:attrNameLst>
+                                      </p:cBhvr>
+                                      <p:to>
+                                        <p:strVal val="visible"/>
+                                      </p:to>
+                                    </p:set>
+                                    <p:animEffect transition="in" filter="blinds(horizontal)">
+                                      <p:cBhvr>
+                                        <p:cTn id="92" dur="500"/>
+                                        <p:tgtEl>
+                                          <p:spTgt spid="20"/>
+                                        </p:tgtEl>
+                                      </p:cBhvr>
+                                    </p:animEffect>
+                                  </p:childTnLst>
+                                </p:cTn>
+                              </p:par>
+                              <p:par>
+                                <p:cTn id="93" presetID="3" presetClass="entr" presetSubtype="10" fill="hold" grpId="0" nodeType="withEffect">
+                                  <p:stCondLst>
+                                    <p:cond delay="0"/>
+                                  </p:stCondLst>
+                                  <p:childTnLst>
+                                    <p:set>
+                                      <p:cBhvr>
+                                        <p:cTn id="94" dur="1" fill="hold">
+                                          <p:stCondLst>
+                                            <p:cond delay="0"/>
+                                          </p:stCondLst>
+                                        </p:cTn>
+                                        <p:tgtEl>
+                                          <p:spTgt spid="277"/>
+                                        </p:tgtEl>
+                                        <p:attrNameLst>
+                                          <p:attrName>style.visibility</p:attrName>
+                                        </p:attrNameLst>
+                                      </p:cBhvr>
+                                      <p:to>
+                                        <p:strVal val="visible"/>
+                                      </p:to>
+                                    </p:set>
+                                    <p:animEffect transition="in" filter="blinds(horizontal)">
+                                      <p:cBhvr>
+                                        <p:cTn id="95" dur="500"/>
+                                        <p:tgtEl>
+                                          <p:spTgt spid="277"/>
+                                        </p:tgtEl>
+                                      </p:cBhvr>
+                                    </p:animEffect>
+                                  </p:childTnLst>
+                                </p:cTn>
+                              </p:par>
+                              <p:par>
+                                <p:cTn id="96" presetID="3" presetClass="entr" presetSubtype="10" fill="hold" nodeType="withEffect">
+                                  <p:stCondLst>
+                                    <p:cond delay="0"/>
+                                  </p:stCondLst>
+                                  <p:childTnLst>
+                                    <p:set>
+                                      <p:cBhvr>
+                                        <p:cTn id="97" dur="1" fill="hold">
+                                          <p:stCondLst>
+                                            <p:cond delay="0"/>
+                                          </p:stCondLst>
+                                        </p:cTn>
+                                        <p:tgtEl>
+                                          <p:spTgt spid="103"/>
+                                        </p:tgtEl>
+                                        <p:attrNameLst>
+                                          <p:attrName>style.visibility</p:attrName>
+                                        </p:attrNameLst>
+                                      </p:cBhvr>
+                                      <p:to>
+                                        <p:strVal val="visible"/>
+                                      </p:to>
+                                    </p:set>
+                                    <p:animEffect transition="in" filter="blinds(horizontal)">
+                                      <p:cBhvr>
+                                        <p:cTn id="98" dur="500"/>
+                                        <p:tgtEl>
+                                          <p:spTgt spid="103"/>
+                                        </p:tgtEl>
+                                      </p:cBhvr>
+                                    </p:animEffect>
+                                  </p:childTnLst>
+                                </p:cTn>
+                              </p:par>
+                            </p:childTnLst>
+                          </p:cTn>
+                        </p:par>
+                      </p:childTnLst>
+                    </p:cTn>
+                  </p:par>
+                  <p:par>
+                    <p:cTn id="99" fill="hold">
+                      <p:stCondLst>
+                        <p:cond delay="indefinite"/>
+                      </p:stCondLst>
+                      <p:childTnLst>
+                        <p:par>
+                          <p:cTn id="100" fill="hold">
+                            <p:stCondLst>
+                              <p:cond delay="0"/>
+                            </p:stCondLst>
+                            <p:childTnLst>
+                              <p:par>
+                                <p:cTn id="101" presetID="3" presetClass="entr" presetSubtype="10" fill="hold" grpId="0" nodeType="clickEffect">
+                                  <p:stCondLst>
+                                    <p:cond delay="0"/>
+                                  </p:stCondLst>
+                                  <p:childTnLst>
+                                    <p:set>
+                                      <p:cBhvr>
+                                        <p:cTn id="102" dur="1" fill="hold">
+                                          <p:stCondLst>
+                                            <p:cond delay="0"/>
+                                          </p:stCondLst>
+                                        </p:cTn>
+                                        <p:tgtEl>
+                                          <p:spTgt spid="281"/>
+                                        </p:tgtEl>
+                                        <p:attrNameLst>
+                                          <p:attrName>style.visibility</p:attrName>
+                                        </p:attrNameLst>
+                                      </p:cBhvr>
+                                      <p:to>
+                                        <p:strVal val="visible"/>
+                                      </p:to>
+                                    </p:set>
+                                    <p:animEffect transition="in" filter="blinds(horizontal)">
+                                      <p:cBhvr>
+                                        <p:cTn id="103" dur="500"/>
+                                        <p:tgtEl>
+                                          <p:spTgt spid="281"/>
+                                        </p:tgtEl>
+                                      </p:cBhvr>
+                                    </p:animEffect>
+                                  </p:childTnLst>
+                                </p:cTn>
+                              </p:par>
+                              <p:par>
+                                <p:cTn id="104" presetID="3" presetClass="entr" presetSubtype="10" fill="hold" nodeType="withEffect">
+                                  <p:stCondLst>
+                                    <p:cond delay="0"/>
+                                  </p:stCondLst>
+                                  <p:childTnLst>
+                                    <p:set>
+                                      <p:cBhvr>
+                                        <p:cTn id="105" dur="1" fill="hold">
+                                          <p:stCondLst>
+                                            <p:cond delay="0"/>
+                                          </p:stCondLst>
+                                        </p:cTn>
+                                        <p:tgtEl>
+                                          <p:spTgt spid="1028"/>
+                                        </p:tgtEl>
+                                        <p:attrNameLst>
+                                          <p:attrName>style.visibility</p:attrName>
+                                        </p:attrNameLst>
+                                      </p:cBhvr>
+                                      <p:to>
+                                        <p:strVal val="visible"/>
+                                      </p:to>
+                                    </p:set>
+                                    <p:animEffect transition="in" filter="blinds(horizontal)">
+                                      <p:cBhvr>
+                                        <p:cTn id="106" dur="500"/>
+                                        <p:tgtEl>
+                                          <p:spTgt spid="1028"/>
+                                        </p:tgtEl>
+                                      </p:cBhvr>
+                                    </p:animEffect>
+                                  </p:childTnLst>
+                                </p:cTn>
+                              </p:par>
+                              <p:par>
+                                <p:cTn id="107" presetID="3" presetClass="entr" presetSubtype="10" fill="hold" nodeType="withEffect">
+                                  <p:stCondLst>
+                                    <p:cond delay="0"/>
+                                  </p:stCondLst>
+                                  <p:childTnLst>
+                                    <p:set>
+                                      <p:cBhvr>
+                                        <p:cTn id="108" dur="1" fill="hold">
+                                          <p:stCondLst>
+                                            <p:cond delay="0"/>
+                                          </p:stCondLst>
+                                        </p:cTn>
+                                        <p:tgtEl>
+                                          <p:spTgt spid="170"/>
+                                        </p:tgtEl>
+                                        <p:attrNameLst>
+                                          <p:attrName>style.visibility</p:attrName>
+                                        </p:attrNameLst>
+                                      </p:cBhvr>
+                                      <p:to>
+                                        <p:strVal val="visible"/>
+                                      </p:to>
+                                    </p:set>
+                                    <p:animEffect transition="in" filter="blinds(horizontal)">
+                                      <p:cBhvr>
+                                        <p:cTn id="109" dur="500"/>
+                                        <p:tgtEl>
+                                          <p:spTgt spid="170"/>
+                                        </p:tgtEl>
+                                      </p:cBhvr>
+                                    </p:animEffect>
+                                  </p:childTnLst>
+                                </p:cTn>
+                              </p:par>
+                              <p:par>
+                                <p:cTn id="110" presetID="3" presetClass="entr" presetSubtype="10" fill="hold" nodeType="withEffect">
+                                  <p:stCondLst>
+                                    <p:cond delay="0"/>
+                                  </p:stCondLst>
+                                  <p:childTnLst>
+                                    <p:set>
+                                      <p:cBhvr>
+                                        <p:cTn id="111" dur="1" fill="hold">
+                                          <p:stCondLst>
+                                            <p:cond delay="0"/>
+                                          </p:stCondLst>
+                                        </p:cTn>
+                                        <p:tgtEl>
+                                          <p:spTgt spid="187"/>
+                                        </p:tgtEl>
+                                        <p:attrNameLst>
+                                          <p:attrName>style.visibility</p:attrName>
+                                        </p:attrNameLst>
+                                      </p:cBhvr>
+                                      <p:to>
+                                        <p:strVal val="visible"/>
+                                      </p:to>
+                                    </p:set>
+                                    <p:animEffect transition="in" filter="blinds(horizontal)">
+                                      <p:cBhvr>
+                                        <p:cTn id="112" dur="500"/>
+                                        <p:tgtEl>
+                                          <p:spTgt spid="187"/>
+                                        </p:tgtEl>
+                                      </p:cBhvr>
+                                    </p:animEffect>
+                                  </p:childTnLst>
+                                </p:cTn>
+                              </p:par>
+                              <p:par>
+                                <p:cTn id="113" presetID="3" presetClass="entr" presetSubtype="10" fill="hold" nodeType="withEffect">
+                                  <p:stCondLst>
+                                    <p:cond delay="0"/>
+                                  </p:stCondLst>
+                                  <p:childTnLst>
+                                    <p:set>
+                                      <p:cBhvr>
+                                        <p:cTn id="114" dur="1" fill="hold">
+                                          <p:stCondLst>
+                                            <p:cond delay="0"/>
+                                          </p:stCondLst>
+                                        </p:cTn>
+                                        <p:tgtEl>
+                                          <p:spTgt spid="1026"/>
+                                        </p:tgtEl>
+                                        <p:attrNameLst>
+                                          <p:attrName>style.visibility</p:attrName>
+                                        </p:attrNameLst>
+                                      </p:cBhvr>
+                                      <p:to>
+                                        <p:strVal val="visible"/>
+                                      </p:to>
+                                    </p:set>
+                                    <p:animEffect transition="in" filter="blinds(horizontal)">
+                                      <p:cBhvr>
+                                        <p:cTn id="115" dur="500"/>
+                                        <p:tgtEl>
+                                          <p:spTgt spid="1026"/>
+                                        </p:tgtEl>
+                                      </p:cBhvr>
+                                    </p:animEffect>
+                                  </p:childTnLst>
+                                </p:cTn>
+                              </p:par>
+                              <p:par>
+                                <p:cTn id="116" presetID="3" presetClass="entr" presetSubtype="10" fill="hold" nodeType="withEffect">
+                                  <p:stCondLst>
+                                    <p:cond delay="0"/>
+                                  </p:stCondLst>
+                                  <p:childTnLst>
+                                    <p:set>
+                                      <p:cBhvr>
+                                        <p:cTn id="117" dur="1" fill="hold">
+                                          <p:stCondLst>
+                                            <p:cond delay="0"/>
+                                          </p:stCondLst>
+                                        </p:cTn>
+                                        <p:tgtEl>
+                                          <p:spTgt spid="269"/>
+                                        </p:tgtEl>
+                                        <p:attrNameLst>
+                                          <p:attrName>style.visibility</p:attrName>
+                                        </p:attrNameLst>
+                                      </p:cBhvr>
+                                      <p:to>
+                                        <p:strVal val="visible"/>
+                                      </p:to>
+                                    </p:set>
+                                    <p:animEffect transition="in" filter="blinds(horizontal)">
+                                      <p:cBhvr>
+                                        <p:cTn id="118" dur="500"/>
+                                        <p:tgtEl>
+                                          <p:spTgt spid="269"/>
+                                        </p:tgtEl>
+                                      </p:cBhvr>
+                                    </p:animEffect>
+                                  </p:childTnLst>
+                                </p:cTn>
+                              </p:par>
+                              <p:par>
+                                <p:cTn id="119" presetID="3" presetClass="entr" presetSubtype="10" fill="hold" nodeType="withEffect">
+                                  <p:stCondLst>
+                                    <p:cond delay="0"/>
+                                  </p:stCondLst>
+                                  <p:childTnLst>
+                                    <p:set>
+                                      <p:cBhvr>
+                                        <p:cTn id="120" dur="1" fill="hold">
+                                          <p:stCondLst>
+                                            <p:cond delay="0"/>
+                                          </p:stCondLst>
+                                        </p:cTn>
+                                        <p:tgtEl>
+                                          <p:spTgt spid="73"/>
+                                        </p:tgtEl>
+                                        <p:attrNameLst>
+                                          <p:attrName>style.visibility</p:attrName>
+                                        </p:attrNameLst>
+                                      </p:cBhvr>
+                                      <p:to>
+                                        <p:strVal val="visible"/>
+                                      </p:to>
+                                    </p:set>
+                                    <p:animEffect transition="in" filter="blinds(horizontal)">
+                                      <p:cBhvr>
+                                        <p:cTn id="121" dur="500"/>
+                                        <p:tgtEl>
+                                          <p:spTgt spid="73"/>
+                                        </p:tgtEl>
+                                      </p:cBhvr>
+                                    </p:animEffect>
+                                  </p:childTnLst>
+                                </p:cTn>
+                              </p:par>
+                              <p:par>
+                                <p:cTn id="122" presetID="3" presetClass="entr" presetSubtype="10" fill="hold" nodeType="withEffect">
+                                  <p:stCondLst>
+                                    <p:cond delay="0"/>
+                                  </p:stCondLst>
+                                  <p:childTnLst>
+                                    <p:set>
+                                      <p:cBhvr>
+                                        <p:cTn id="123" dur="1" fill="hold">
+                                          <p:stCondLst>
+                                            <p:cond delay="0"/>
+                                          </p:stCondLst>
+                                        </p:cTn>
+                                        <p:tgtEl>
+                                          <p:spTgt spid="9"/>
+                                        </p:tgtEl>
+                                        <p:attrNameLst>
+                                          <p:attrName>style.visibility</p:attrName>
+                                        </p:attrNameLst>
+                                      </p:cBhvr>
+                                      <p:to>
+                                        <p:strVal val="visible"/>
+                                      </p:to>
+                                    </p:set>
+                                    <p:animEffect transition="in" filter="blinds(horizontal)">
+                                      <p:cBhvr>
+                                        <p:cTn id="124" dur="500"/>
+                                        <p:tgtEl>
+                                          <p:spTgt spid="9"/>
+                                        </p:tgtEl>
+                                      </p:cBhvr>
+                                    </p:animEffect>
+                                  </p:childTnLst>
+                                </p:cTn>
+                              </p:par>
+                              <p:par>
+                                <p:cTn id="125" presetID="3" presetClass="entr" presetSubtype="10" fill="hold" nodeType="withEffect">
+                                  <p:stCondLst>
+                                    <p:cond delay="0"/>
+                                  </p:stCondLst>
+                                  <p:childTnLst>
+                                    <p:set>
+                                      <p:cBhvr>
+                                        <p:cTn id="126" dur="1" fill="hold">
+                                          <p:stCondLst>
+                                            <p:cond delay="0"/>
+                                          </p:stCondLst>
+                                        </p:cTn>
+                                        <p:tgtEl>
+                                          <p:spTgt spid="249"/>
+                                        </p:tgtEl>
+                                        <p:attrNameLst>
+                                          <p:attrName>style.visibility</p:attrName>
+                                        </p:attrNameLst>
+                                      </p:cBhvr>
+                                      <p:to>
+                                        <p:strVal val="visible"/>
+                                      </p:to>
+                                    </p:set>
+                                    <p:animEffect transition="in" filter="blinds(horizontal)">
+                                      <p:cBhvr>
+                                        <p:cTn id="127" dur="500"/>
+                                        <p:tgtEl>
+                                          <p:spTgt spid="249"/>
+                                        </p:tgtEl>
+                                      </p:cBhvr>
+                                    </p:animEffect>
+                                  </p:childTnLst>
+                                </p:cTn>
+                              </p:par>
+                              <p:par>
+                                <p:cTn id="128" presetID="3" presetClass="entr" presetSubtype="10" fill="hold" nodeType="withEffect">
+                                  <p:stCondLst>
+                                    <p:cond delay="0"/>
+                                  </p:stCondLst>
+                                  <p:childTnLst>
+                                    <p:set>
+                                      <p:cBhvr>
+                                        <p:cTn id="129" dur="1" fill="hold">
+                                          <p:stCondLst>
+                                            <p:cond delay="0"/>
+                                          </p:stCondLst>
+                                        </p:cTn>
+                                        <p:tgtEl>
+                                          <p:spTgt spid="253"/>
+                                        </p:tgtEl>
+                                        <p:attrNameLst>
+                                          <p:attrName>style.visibility</p:attrName>
+                                        </p:attrNameLst>
+                                      </p:cBhvr>
+                                      <p:to>
+                                        <p:strVal val="visible"/>
+                                      </p:to>
+                                    </p:set>
+                                    <p:animEffect transition="in" filter="blinds(horizontal)">
+                                      <p:cBhvr>
+                                        <p:cTn id="130" dur="500"/>
+                                        <p:tgtEl>
+                                          <p:spTgt spid="253"/>
+                                        </p:tgtEl>
+                                      </p:cBhvr>
+                                    </p:animEffect>
+                                  </p:childTnLst>
+                                </p:cTn>
+                              </p:par>
+                              <p:par>
+                                <p:cTn id="131" presetID="3" presetClass="entr" presetSubtype="10" fill="hold" nodeType="withEffect">
+                                  <p:stCondLst>
+                                    <p:cond delay="0"/>
+                                  </p:stCondLst>
+                                  <p:childTnLst>
+                                    <p:set>
+                                      <p:cBhvr>
+                                        <p:cTn id="132" dur="1" fill="hold">
+                                          <p:stCondLst>
+                                            <p:cond delay="0"/>
+                                          </p:stCondLst>
+                                        </p:cTn>
+                                        <p:tgtEl>
+                                          <p:spTgt spid="252"/>
+                                        </p:tgtEl>
+                                        <p:attrNameLst>
+                                          <p:attrName>style.visibility</p:attrName>
+                                        </p:attrNameLst>
+                                      </p:cBhvr>
+                                      <p:to>
+                                        <p:strVal val="visible"/>
+                                      </p:to>
+                                    </p:set>
+                                    <p:animEffect transition="in" filter="blinds(horizontal)">
+                                      <p:cBhvr>
+                                        <p:cTn id="133" dur="500"/>
+                                        <p:tgtEl>
+                                          <p:spTgt spid="252"/>
+                                        </p:tgtEl>
+                                      </p:cBhvr>
+                                    </p:animEffect>
+                                  </p:childTnLst>
+                                </p:cTn>
+                              </p:par>
+                              <p:par>
+                                <p:cTn id="134" presetID="3" presetClass="entr" presetSubtype="10" fill="hold" grpId="0" nodeType="withEffect">
+                                  <p:stCondLst>
+                                    <p:cond delay="0"/>
+                                  </p:stCondLst>
+                                  <p:childTnLst>
+                                    <p:set>
+                                      <p:cBhvr>
+                                        <p:cTn id="135" dur="1" fill="hold">
+                                          <p:stCondLst>
+                                            <p:cond delay="0"/>
+                                          </p:stCondLst>
+                                        </p:cTn>
+                                        <p:tgtEl>
+                                          <p:spTgt spid="268"/>
+                                        </p:tgtEl>
+                                        <p:attrNameLst>
+                                          <p:attrName>style.visibility</p:attrName>
+                                        </p:attrNameLst>
+                                      </p:cBhvr>
+                                      <p:to>
+                                        <p:strVal val="visible"/>
+                                      </p:to>
+                                    </p:set>
+                                    <p:animEffect transition="in" filter="blinds(horizontal)">
+                                      <p:cBhvr>
+                                        <p:cTn id="136" dur="500"/>
+                                        <p:tgtEl>
+                                          <p:spTgt spid="268"/>
+                                        </p:tgtEl>
+                                      </p:cBhvr>
+                                    </p:animEffect>
+                                  </p:childTnLst>
+                                </p:cTn>
+                              </p:par>
+                              <p:par>
+                                <p:cTn id="137" presetID="3" presetClass="entr" presetSubtype="10" fill="hold" grpId="0" nodeType="withEffect">
+                                  <p:stCondLst>
+                                    <p:cond delay="0"/>
+                                  </p:stCondLst>
+                                  <p:childTnLst>
+                                    <p:set>
+                                      <p:cBhvr>
+                                        <p:cTn id="138" dur="1" fill="hold">
+                                          <p:stCondLst>
+                                            <p:cond delay="0"/>
+                                          </p:stCondLst>
+                                        </p:cTn>
+                                        <p:tgtEl>
+                                          <p:spTgt spid="267"/>
+                                        </p:tgtEl>
+                                        <p:attrNameLst>
+                                          <p:attrName>style.visibility</p:attrName>
+                                        </p:attrNameLst>
+                                      </p:cBhvr>
+                                      <p:to>
+                                        <p:strVal val="visible"/>
+                                      </p:to>
+                                    </p:set>
+                                    <p:animEffect transition="in" filter="blinds(horizontal)">
+                                      <p:cBhvr>
+                                        <p:cTn id="139" dur="500"/>
+                                        <p:tgtEl>
+                                          <p:spTgt spid="267"/>
+                                        </p:tgtEl>
+                                      </p:cBhvr>
+                                    </p:animEffect>
+                                  </p:childTnLst>
+                                </p:cTn>
+                              </p:par>
+                              <p:par>
+                                <p:cTn id="140" presetID="3" presetClass="entr" presetSubtype="10" fill="hold" nodeType="withEffect">
+                                  <p:stCondLst>
+                                    <p:cond delay="0"/>
+                                  </p:stCondLst>
+                                  <p:childTnLst>
+                                    <p:set>
+                                      <p:cBhvr>
+                                        <p:cTn id="141" dur="1" fill="hold">
+                                          <p:stCondLst>
+                                            <p:cond delay="0"/>
+                                          </p:stCondLst>
+                                        </p:cTn>
+                                        <p:tgtEl>
+                                          <p:spTgt spid="257"/>
+                                        </p:tgtEl>
+                                        <p:attrNameLst>
+                                          <p:attrName>style.visibility</p:attrName>
+                                        </p:attrNameLst>
+                                      </p:cBhvr>
+                                      <p:to>
+                                        <p:strVal val="visible"/>
+                                      </p:to>
+                                    </p:set>
+                                    <p:animEffect transition="in" filter="blinds(horizontal)">
+                                      <p:cBhvr>
+                                        <p:cTn id="142" dur="500"/>
+                                        <p:tgtEl>
+                                          <p:spTgt spid="257"/>
+                                        </p:tgtEl>
+                                      </p:cBhvr>
+                                    </p:animEffect>
+                                  </p:childTnLst>
+                                </p:cTn>
+                              </p:par>
+                              <p:par>
+                                <p:cTn id="143" presetID="3" presetClass="entr" presetSubtype="10" fill="hold" nodeType="withEffect">
+                                  <p:stCondLst>
+                                    <p:cond delay="0"/>
+                                  </p:stCondLst>
+                                  <p:childTnLst>
+                                    <p:set>
+                                      <p:cBhvr>
+                                        <p:cTn id="144" dur="1" fill="hold">
+                                          <p:stCondLst>
+                                            <p:cond delay="0"/>
+                                          </p:stCondLst>
+                                        </p:cTn>
+                                        <p:tgtEl>
+                                          <p:spTgt spid="55"/>
+                                        </p:tgtEl>
+                                        <p:attrNameLst>
+                                          <p:attrName>style.visibility</p:attrName>
+                                        </p:attrNameLst>
+                                      </p:cBhvr>
+                                      <p:to>
+                                        <p:strVal val="visible"/>
+                                      </p:to>
+                                    </p:set>
+                                    <p:animEffect transition="in" filter="blinds(horizontal)">
+                                      <p:cBhvr>
+                                        <p:cTn id="145" dur="500"/>
+                                        <p:tgtEl>
+                                          <p:spTgt spid="55"/>
+                                        </p:tgtEl>
+                                      </p:cBhvr>
+                                    </p:animEffect>
+                                  </p:childTnLst>
+                                </p:cTn>
+                              </p:par>
+                              <p:par>
+                                <p:cTn id="146" presetID="3" presetClass="entr" presetSubtype="10" fill="hold" grpId="0" nodeType="withEffect">
+                                  <p:stCondLst>
+                                    <p:cond delay="0"/>
+                                  </p:stCondLst>
+                                  <p:childTnLst>
+                                    <p:set>
+                                      <p:cBhvr>
+                                        <p:cTn id="147" dur="1" fill="hold">
+                                          <p:stCondLst>
+                                            <p:cond delay="0"/>
+                                          </p:stCondLst>
+                                        </p:cTn>
+                                        <p:tgtEl>
+                                          <p:spTgt spid="275"/>
+                                        </p:tgtEl>
+                                        <p:attrNameLst>
+                                          <p:attrName>style.visibility</p:attrName>
+                                        </p:attrNameLst>
+                                      </p:cBhvr>
+                                      <p:to>
+                                        <p:strVal val="visible"/>
+                                      </p:to>
+                                    </p:set>
+                                    <p:animEffect transition="in" filter="blinds(horizontal)">
+                                      <p:cBhvr>
+                                        <p:cTn id="148" dur="500"/>
+                                        <p:tgtEl>
+                                          <p:spTgt spid="275"/>
+                                        </p:tgtEl>
+                                      </p:cBhvr>
+                                    </p:animEffect>
+                                  </p:childTnLst>
+                                </p:cTn>
+                              </p:par>
+                              <p:par>
+                                <p:cTn id="149" presetID="3" presetClass="entr" presetSubtype="10" fill="hold" grpId="0" nodeType="withEffect">
+                                  <p:stCondLst>
+                                    <p:cond delay="0"/>
+                                  </p:stCondLst>
+                                  <p:childTnLst>
+                                    <p:set>
+                                      <p:cBhvr>
+                                        <p:cTn id="150" dur="1" fill="hold">
+                                          <p:stCondLst>
+                                            <p:cond delay="0"/>
+                                          </p:stCondLst>
+                                        </p:cTn>
+                                        <p:tgtEl>
+                                          <p:spTgt spid="280"/>
+                                        </p:tgtEl>
+                                        <p:attrNameLst>
+                                          <p:attrName>style.visibility</p:attrName>
+                                        </p:attrNameLst>
+                                      </p:cBhvr>
+                                      <p:to>
+                                        <p:strVal val="visible"/>
+                                      </p:to>
+                                    </p:set>
+                                    <p:animEffect transition="in" filter="blinds(horizontal)">
+                                      <p:cBhvr>
+                                        <p:cTn id="151" dur="500"/>
+                                        <p:tgtEl>
+                                          <p:spTgt spid="280"/>
+                                        </p:tgtEl>
+                                      </p:cBhvr>
+                                    </p:animEffect>
                                   </p:childTnLst>
                                 </p:cTn>
                               </p:par>
@@ -13942,53 +18017,26 @@
                 </p:cond>
               </p:nextCondLst>
             </p:seq>
-            <p:audio>
-              <p:cMediaNode vol="80000" showWhenStopped="0">
-                <p:cTn id="27" fill="hold" display="0">
-                  <p:stCondLst>
-                    <p:cond delay="indefinite"/>
-                  </p:stCondLst>
-                  <p:endCondLst>
-                    <p:cond evt="onStopAudio" delay="0">
-                      <p:tgtEl>
-                        <p:sldTgt/>
-                      </p:tgtEl>
-                    </p:cond>
-                  </p:endCondLst>
-                </p:cTn>
-                <p:tgtEl>
-                  <p:spTgt spid="10"/>
-                </p:tgtEl>
-              </p:cMediaNode>
-            </p:audio>
-            <p:audio>
-              <p:cMediaNode vol="80000" showWhenStopped="0">
-                <p:cTn id="28" fill="hold" display="0">
-                  <p:stCondLst>
-                    <p:cond delay="indefinite"/>
-                  </p:stCondLst>
-                  <p:endCondLst>
-                    <p:cond evt="onStopAudio" delay="0">
-                      <p:tgtEl>
-                        <p:sldTgt/>
-                      </p:tgtEl>
-                    </p:cond>
-                  </p:endCondLst>
-                </p:cTn>
-                <p:tgtEl>
-                  <p:spTgt spid="12"/>
-                </p:tgtEl>
-              </p:cMediaNode>
-            </p:audio>
           </p:childTnLst>
         </p:cTn>
       </p:par>
     </p:tnLst>
     <p:bldLst>
-      <p:bldP spid="5" grpId="0" animBg="1"/>
-      <p:bldP spid="6" grpId="0" animBg="1"/>
-      <p:bldP spid="7" grpId="0" animBg="1"/>
-      <p:bldP spid="9" grpId="1" animBg="1"/>
+      <p:bldP spid="32" grpId="0"/>
+      <p:bldP spid="108" grpId="0"/>
+      <p:bldP spid="109" grpId="0"/>
+      <p:bldP spid="110" grpId="0"/>
+      <p:bldP spid="196" grpId="0"/>
+      <p:bldP spid="265" grpId="0"/>
+      <p:bldP spid="266" grpId="0"/>
+      <p:bldP spid="267" grpId="0"/>
+      <p:bldP spid="268" grpId="0"/>
+      <p:bldP spid="275" grpId="0"/>
+      <p:bldP spid="276" grpId="0"/>
+      <p:bldP spid="277" grpId="0"/>
+      <p:bldP spid="280" grpId="0"/>
+      <p:bldP spid="281" grpId="0"/>
+      <p:bldP spid="282" grpId="0"/>
     </p:bldLst>
   </p:timing>
 </p:sld>
